--- a/SammyPPT.pptx
+++ b/SammyPPT.pptx
@@ -5,7 +5,7 @@
     <p:sldMasterId id="2147483673" r:id="rId4"/>
   </p:sldMasterIdLst>
   <p:notesMasterIdLst>
-    <p:notesMasterId r:id="rId29"/>
+    <p:notesMasterId r:id="rId30"/>
   </p:notesMasterIdLst>
   <p:sldIdLst>
     <p:sldId id="257" r:id="rId5"/>
@@ -31,7 +31,8 @@
     <p:sldId id="282" r:id="rId25"/>
     <p:sldId id="283" r:id="rId26"/>
     <p:sldId id="289" r:id="rId27"/>
-    <p:sldId id="290" r:id="rId28"/>
+    <p:sldId id="291" r:id="rId28"/>
+    <p:sldId id="290" r:id="rId29"/>
   </p:sldIdLst>
   <p:sldSz cx="12192000" cy="6858000"/>
   <p:notesSz cx="6858000" cy="9144000"/>
@@ -145,9 +146,9 @@
     <p1510:client id="{6F60F545-A5B3-CB85-40EB-76A9BFFE62B3}" v="9" dt="2020-09-03T07:28:35.673"/>
     <p1510:client id="{7BEC3C20-2612-6EB7-FB5B-4EE04F690DB8}" v="756" dt="2020-09-02T16:47:27.254"/>
     <p1510:client id="{C0BA9CAD-6291-6D4E-B192-CD9092E4AE82}" v="1531" dt="2020-09-02T19:56:30.742"/>
-    <p1510:client id="{C5C781CB-DFC2-4A93-B9C3-F131FF478C41}" v="1011" dt="2020-09-03T07:59:55.569"/>
+    <p1510:client id="{C5C781CB-DFC2-4A93-B9C3-F131FF478C41}" v="1702" dt="2020-09-03T10:43:57.040"/>
     <p1510:client id="{DBBEED69-58F2-C21E-906B-EFDD4F37D644}" v="935" dt="2020-09-02T18:16:56.242"/>
-    <p1510:client id="{DFC8CA24-8D93-B6CF-C38A-3BC120D1CD82}" v="191" dt="2020-09-03T08:03:37.563"/>
+    <p1510:client id="{DFC8CA24-8D93-B6CF-C38A-3BC120D1CD82}" v="245" dt="2020-09-03T10:41:53.764"/>
     <p1510:client id="{F2BC3823-7F76-FC7A-28AE-89F0884CD5C9}" v="671" dt="2020-09-02T16:15:50.581"/>
   </p1510:revLst>
 </p1510:revInfo>
@@ -156,400 +157,333 @@
 <file path=ppt/changesInfos/changesInfo1.xml><?xml version="1.0" encoding="utf-8"?>
 <pc:chgInfo xmlns:a="http://schemas.openxmlformats.org/drawingml/2006/main" xmlns:r="http://schemas.openxmlformats.org/officeDocument/2006/relationships" xmlns:ac="http://schemas.microsoft.com/office/drawing/2013/main/command" xmlns:pc="http://schemas.microsoft.com/office/powerpoint/2013/main/command">
   <pc:docChgLst>
-    <pc:chgData name="Jordan Keane" userId="S::jordankeane@kubrickgroup.com::7daef36b-84de-441f-88b0-4a92a6815ff4" providerId="AD" clId="Web-{6F60F545-A5B3-CB85-40EB-76A9BFFE62B3}"/>
-    <pc:docChg chg="modSld">
-      <pc:chgData name="Jordan Keane" userId="S::jordankeane@kubrickgroup.com::7daef36b-84de-441f-88b0-4a92a6815ff4" providerId="AD" clId="Web-{6F60F545-A5B3-CB85-40EB-76A9BFFE62B3}" dt="2020-09-03T07:28:35.673" v="8" actId="14100"/>
+    <pc:chgData name="Adam Finchett" userId="S::adamfinchett@kubrickgroup.com::bee73f88-34b0-4fc5-bf0a-088a4d7a7aa5" providerId="AD" clId="Web-{DBBEED69-58F2-C21E-906B-EFDD4F37D644}"/>
+    <pc:docChg chg="addSld delSld modSld sldOrd">
+      <pc:chgData name="Adam Finchett" userId="S::adamfinchett@kubrickgroup.com::bee73f88-34b0-4fc5-bf0a-088a4d7a7aa5" providerId="AD" clId="Web-{DBBEED69-58F2-C21E-906B-EFDD4F37D644}" dt="2020-09-02T18:16:56.242" v="930" actId="20577"/>
       <pc:docMkLst>
         <pc:docMk/>
       </pc:docMkLst>
-      <pc:sldChg chg="modSp">
-        <pc:chgData name="Jordan Keane" userId="S::jordankeane@kubrickgroup.com::7daef36b-84de-441f-88b0-4a92a6815ff4" providerId="AD" clId="Web-{6F60F545-A5B3-CB85-40EB-76A9BFFE62B3}" dt="2020-09-03T07:28:35.673" v="8" actId="14100"/>
+      <pc:sldChg chg="new del">
+        <pc:chgData name="Adam Finchett" userId="S::adamfinchett@kubrickgroup.com::bee73f88-34b0-4fc5-bf0a-088a4d7a7aa5" providerId="AD" clId="Web-{DBBEED69-58F2-C21E-906B-EFDD4F37D644}" dt="2020-09-02T15:57:27.372" v="1"/>
         <pc:sldMkLst>
           <pc:docMk/>
-          <pc:sldMk cId="3909834316" sldId="285"/>
+          <pc:sldMk cId="327419802" sldId="274"/>
         </pc:sldMkLst>
-        <pc:spChg chg="mod">
-          <ac:chgData name="Jordan Keane" userId="S::jordankeane@kubrickgroup.com::7daef36b-84de-441f-88b0-4a92a6815ff4" providerId="AD" clId="Web-{6F60F545-A5B3-CB85-40EB-76A9BFFE62B3}" dt="2020-09-03T07:28:35.673" v="8" actId="14100"/>
+      </pc:sldChg>
+      <pc:sldChg chg="addSp delSp modSp new ord addAnim modAnim">
+        <pc:chgData name="Adam Finchett" userId="S::adamfinchett@kubrickgroup.com::bee73f88-34b0-4fc5-bf0a-088a4d7a7aa5" providerId="AD" clId="Web-{DBBEED69-58F2-C21E-906B-EFDD4F37D644}" dt="2020-09-02T16:12:18.363" v="534"/>
+        <pc:sldMkLst>
+          <pc:docMk/>
+          <pc:sldMk cId="3137352047" sldId="274"/>
+        </pc:sldMkLst>
+        <pc:spChg chg="del">
+          <ac:chgData name="Adam Finchett" userId="S::adamfinchett@kubrickgroup.com::bee73f88-34b0-4fc5-bf0a-088a4d7a7aa5" providerId="AD" clId="Web-{DBBEED69-58F2-C21E-906B-EFDD4F37D644}" dt="2020-09-02T15:57:36.919" v="3"/>
           <ac:spMkLst>
             <pc:docMk/>
-            <pc:sldMk cId="3909834316" sldId="285"/>
-            <ac:spMk id="2" creationId="{C124040E-2372-4D25-B851-0CBD623A5DF7}"/>
+            <pc:sldMk cId="3137352047" sldId="274"/>
+            <ac:spMk id="2" creationId="{69AF3E23-208C-4CB8-882F-E6253A61BEC4}"/>
           </ac:spMkLst>
         </pc:spChg>
-      </pc:sldChg>
-    </pc:docChg>
-  </pc:docChgLst>
-  <pc:docChgLst>
-    <pc:chgData name="Ben Roche" userId="S::benroche@kubrickgroup.com::d3c4794b-a3cd-4f30-ad84-b1191a0ca024" providerId="AD" clId="Web-{7BEC3C20-2612-6EB7-FB5B-4EE04F690DB8}"/>
-    <pc:docChg chg="addSld delSld modSld sldOrd">
-      <pc:chgData name="Ben Roche" userId="S::benroche@kubrickgroup.com::d3c4794b-a3cd-4f30-ad84-b1191a0ca024" providerId="AD" clId="Web-{7BEC3C20-2612-6EB7-FB5B-4EE04F690DB8}" dt="2020-09-02T16:47:27.254" v="779" actId="20577"/>
-      <pc:docMkLst>
-        <pc:docMk/>
-      </pc:docMkLst>
-      <pc:sldChg chg="addSp delSp modSp del ord modNotes">
-        <pc:chgData name="Ben Roche" userId="S::benroche@kubrickgroup.com::d3c4794b-a3cd-4f30-ad84-b1191a0ca024" providerId="AD" clId="Web-{7BEC3C20-2612-6EB7-FB5B-4EE04F690DB8}" dt="2020-09-02T16:29:40.399" v="235"/>
-        <pc:sldMkLst>
-          <pc:docMk/>
-          <pc:sldMk cId="499471363" sldId="263"/>
-        </pc:sldMkLst>
-        <pc:spChg chg="add del">
-          <ac:chgData name="Ben Roche" userId="S::benroche@kubrickgroup.com::d3c4794b-a3cd-4f30-ad84-b1191a0ca024" providerId="AD" clId="Web-{7BEC3C20-2612-6EB7-FB5B-4EE04F690DB8}" dt="2020-09-02T16:06:51.474" v="1"/>
+        <pc:spChg chg="mod">
+          <ac:chgData name="Adam Finchett" userId="S::adamfinchett@kubrickgroup.com::bee73f88-34b0-4fc5-bf0a-088a4d7a7aa5" providerId="AD" clId="Web-{DBBEED69-58F2-C21E-906B-EFDD4F37D644}" dt="2020-09-02T15:58:42.559" v="35" actId="20577"/>
           <ac:spMkLst>
             <pc:docMk/>
-            <pc:sldMk cId="499471363" sldId="263"/>
-            <ac:spMk id="3" creationId="{7C28811E-28B7-47EE-8BB1-9EDB4C217434}"/>
+            <pc:sldMk cId="3137352047" sldId="274"/>
+            <ac:spMk id="3" creationId="{21C6E928-8BDA-48B8-BFBC-07F9B662D22C}"/>
           </ac:spMkLst>
         </pc:spChg>
-        <pc:picChg chg="add del mod ord">
-          <ac:chgData name="Ben Roche" userId="S::benroche@kubrickgroup.com::d3c4794b-a3cd-4f30-ad84-b1191a0ca024" providerId="AD" clId="Web-{7BEC3C20-2612-6EB7-FB5B-4EE04F690DB8}" dt="2020-09-02T16:06:51.474" v="1"/>
+        <pc:spChg chg="del mod">
+          <ac:chgData name="Adam Finchett" userId="S::adamfinchett@kubrickgroup.com::bee73f88-34b0-4fc5-bf0a-088a4d7a7aa5" providerId="AD" clId="Web-{DBBEED69-58F2-C21E-906B-EFDD4F37D644}" dt="2020-09-02T16:00:15.933" v="187"/>
+          <ac:spMkLst>
+            <pc:docMk/>
+            <pc:sldMk cId="3137352047" sldId="274"/>
+            <ac:spMk id="4" creationId="{D82AADC8-7E2A-4612-9904-FFA210272BF6}"/>
+          </ac:spMkLst>
+        </pc:spChg>
+        <pc:spChg chg="add mod">
+          <ac:chgData name="Adam Finchett" userId="S::adamfinchett@kubrickgroup.com::bee73f88-34b0-4fc5-bf0a-088a4d7a7aa5" providerId="AD" clId="Web-{DBBEED69-58F2-C21E-906B-EFDD4F37D644}" dt="2020-09-02T16:00:11.714" v="184" actId="20577"/>
+          <ac:spMkLst>
+            <pc:docMk/>
+            <pc:sldMk cId="3137352047" sldId="274"/>
+            <ac:spMk id="7" creationId="{9C964275-8C72-4500-8410-EF619406B609}"/>
+          </ac:spMkLst>
+        </pc:spChg>
+        <pc:spChg chg="add mod">
+          <ac:chgData name="Adam Finchett" userId="S::adamfinchett@kubrickgroup.com::bee73f88-34b0-4fc5-bf0a-088a4d7a7aa5" providerId="AD" clId="Web-{DBBEED69-58F2-C21E-906B-EFDD4F37D644}" dt="2020-09-02T16:10:54.895" v="532" actId="1076"/>
+          <ac:spMkLst>
+            <pc:docMk/>
+            <pc:sldMk cId="3137352047" sldId="274"/>
+            <ac:spMk id="8" creationId="{A78C7A3B-AFCF-4434-A5A7-0B47AE9E4CFA}"/>
+          </ac:spMkLst>
+        </pc:spChg>
+        <pc:picChg chg="add mod">
+          <ac:chgData name="Adam Finchett" userId="S::adamfinchett@kubrickgroup.com::bee73f88-34b0-4fc5-bf0a-088a4d7a7aa5" providerId="AD" clId="Web-{DBBEED69-58F2-C21E-906B-EFDD4F37D644}" dt="2020-09-02T16:10:49.786" v="531" actId="1076"/>
           <ac:picMkLst>
             <pc:docMk/>
-            <pc:sldMk cId="499471363" sldId="263"/>
-            <ac:picMk id="11" creationId="{97B47C46-507F-47C8-A411-47EBAC86E0F0}"/>
+            <pc:sldMk cId="3137352047" sldId="274"/>
+            <ac:picMk id="5" creationId="{63FA6670-ECE9-4C7B-AEAE-7DD335352D5E}"/>
           </ac:picMkLst>
         </pc:picChg>
       </pc:sldChg>
-      <pc:sldChg chg="modSp">
-        <pc:chgData name="Ben Roche" userId="S::benroche@kubrickgroup.com::d3c4794b-a3cd-4f30-ad84-b1191a0ca024" providerId="AD" clId="Web-{7BEC3C20-2612-6EB7-FB5B-4EE04F690DB8}" dt="2020-09-02T16:26:09.206" v="106" actId="1076"/>
+      <pc:sldChg chg="addSp delSp modSp new addAnim delAnim modAnim">
+        <pc:chgData name="Adam Finchett" userId="S::adamfinchett@kubrickgroup.com::bee73f88-34b0-4fc5-bf0a-088a4d7a7aa5" providerId="AD" clId="Web-{DBBEED69-58F2-C21E-906B-EFDD4F37D644}" dt="2020-09-02T16:41:33.580" v="900" actId="20577"/>
         <pc:sldMkLst>
           <pc:docMk/>
-          <pc:sldMk cId="534465788" sldId="265"/>
+          <pc:sldMk cId="3435751321" sldId="276"/>
         </pc:sldMkLst>
-        <pc:spChg chg="mod">
-          <ac:chgData name="Ben Roche" userId="S::benroche@kubrickgroup.com::d3c4794b-a3cd-4f30-ad84-b1191a0ca024" providerId="AD" clId="Web-{7BEC3C20-2612-6EB7-FB5B-4EE04F690DB8}" dt="2020-09-02T16:24:42.282" v="82" actId="14100"/>
+        <pc:spChg chg="del">
+          <ac:chgData name="Adam Finchett" userId="S::adamfinchett@kubrickgroup.com::bee73f88-34b0-4fc5-bf0a-088a4d7a7aa5" providerId="AD" clId="Web-{DBBEED69-58F2-C21E-906B-EFDD4F37D644}" dt="2020-09-02T16:01:10.182" v="190"/>
           <ac:spMkLst>
             <pc:docMk/>
-            <pc:sldMk cId="534465788" sldId="265"/>
-            <ac:spMk id="3" creationId="{DAFE1A62-3704-4309-9B0B-168AEF6B85DD}"/>
+            <pc:sldMk cId="3435751321" sldId="276"/>
+            <ac:spMk id="2" creationId="{0B2BEEB4-4AA1-47C0-8556-F1BE78A5E851}"/>
           </ac:spMkLst>
         </pc:spChg>
         <pc:spChg chg="mod">
-          <ac:chgData name="Ben Roche" userId="S::benroche@kubrickgroup.com::d3c4794b-a3cd-4f30-ad84-b1191a0ca024" providerId="AD" clId="Web-{7BEC3C20-2612-6EB7-FB5B-4EE04F690DB8}" dt="2020-09-02T16:25:49.768" v="99" actId="20577"/>
+          <ac:chgData name="Adam Finchett" userId="S::adamfinchett@kubrickgroup.com::bee73f88-34b0-4fc5-bf0a-088a4d7a7aa5" providerId="AD" clId="Web-{DBBEED69-58F2-C21E-906B-EFDD4F37D644}" dt="2020-09-02T16:17:31.938" v="784"/>
           <ac:spMkLst>
             <pc:docMk/>
-            <pc:sldMk cId="534465788" sldId="265"/>
-            <ac:spMk id="4" creationId="{E68FCA79-CCA9-42BE-9E26-72C726859CA2}"/>
+            <pc:sldMk cId="3435751321" sldId="276"/>
+            <ac:spMk id="3" creationId="{A6233D95-E895-4A97-85ED-5AD456983EBD}"/>
           </ac:spMkLst>
         </pc:spChg>
-        <pc:graphicFrameChg chg="mod">
-          <ac:chgData name="Ben Roche" userId="S::benroche@kubrickgroup.com::d3c4794b-a3cd-4f30-ad84-b1191a0ca024" providerId="AD" clId="Web-{7BEC3C20-2612-6EB7-FB5B-4EE04F690DB8}" dt="2020-09-02T16:26:01.440" v="104" actId="1076"/>
-          <ac:graphicFrameMkLst>
+        <pc:spChg chg="del">
+          <ac:chgData name="Adam Finchett" userId="S::adamfinchett@kubrickgroup.com::bee73f88-34b0-4fc5-bf0a-088a4d7a7aa5" providerId="AD" clId="Web-{DBBEED69-58F2-C21E-906B-EFDD4F37D644}" dt="2020-09-02T16:03:00.228" v="214"/>
+          <ac:spMkLst>
             <pc:docMk/>
-            <pc:sldMk cId="534465788" sldId="265"/>
-            <ac:graphicFrameMk id="8" creationId="{8F1A864F-17DD-4FAF-8E48-E91B995B56EF}"/>
-          </ac:graphicFrameMkLst>
-        </pc:graphicFrameChg>
-        <pc:graphicFrameChg chg="mod">
-          <ac:chgData name="Ben Roche" userId="S::benroche@kubrickgroup.com::d3c4794b-a3cd-4f30-ad84-b1191a0ca024" providerId="AD" clId="Web-{7BEC3C20-2612-6EB7-FB5B-4EE04F690DB8}" dt="2020-09-02T16:26:09.206" v="106" actId="1076"/>
-          <ac:graphicFrameMkLst>
+            <pc:sldMk cId="3435751321" sldId="276"/>
+            <ac:spMk id="4" creationId="{AA192742-BBB9-4953-AABC-179504228DD1}"/>
+          </ac:spMkLst>
+        </pc:spChg>
+        <pc:spChg chg="add del mod">
+          <ac:chgData name="Adam Finchett" userId="S::adamfinchett@kubrickgroup.com::bee73f88-34b0-4fc5-bf0a-088a4d7a7aa5" providerId="AD" clId="Web-{DBBEED69-58F2-C21E-906B-EFDD4F37D644}" dt="2020-09-02T16:05:20.555" v="506"/>
+          <ac:spMkLst>
             <pc:docMk/>
-            <pc:sldMk cId="534465788" sldId="265"/>
-            <ac:graphicFrameMk id="17" creationId="{E2DF0A34-94D7-4513-BF84-E47598CDFD0B}"/>
-          </ac:graphicFrameMkLst>
-        </pc:graphicFrameChg>
+            <pc:sldMk cId="3435751321" sldId="276"/>
+            <ac:spMk id="7" creationId="{487BD831-59C8-421D-A230-A06D9C770B0D}"/>
+          </ac:spMkLst>
+        </pc:spChg>
+        <pc:spChg chg="add mod ord">
+          <ac:chgData name="Adam Finchett" userId="S::adamfinchett@kubrickgroup.com::bee73f88-34b0-4fc5-bf0a-088a4d7a7aa5" providerId="AD" clId="Web-{DBBEED69-58F2-C21E-906B-EFDD4F37D644}" dt="2020-09-02T16:41:33.580" v="900" actId="20577"/>
+          <ac:spMkLst>
+            <pc:docMk/>
+            <pc:sldMk cId="3435751321" sldId="276"/>
+            <ac:spMk id="9" creationId="{3BE589BB-831D-4014-8C64-7E0C8743ACE9}"/>
+          </ac:spMkLst>
+        </pc:spChg>
+        <pc:spChg chg="add del mod">
+          <ac:chgData name="Adam Finchett" userId="S::adamfinchett@kubrickgroup.com::bee73f88-34b0-4fc5-bf0a-088a4d7a7aa5" providerId="AD" clId="Web-{DBBEED69-58F2-C21E-906B-EFDD4F37D644}" dt="2020-09-02T16:21:35.170" v="798"/>
+          <ac:spMkLst>
+            <pc:docMk/>
+            <pc:sldMk cId="3435751321" sldId="276"/>
+            <ac:spMk id="10" creationId="{F3329A4F-B45A-4D37-8688-C0C8BFF310BF}"/>
+          </ac:spMkLst>
+        </pc:spChg>
+        <pc:picChg chg="add mod ord">
+          <ac:chgData name="Adam Finchett" userId="S::adamfinchett@kubrickgroup.com::bee73f88-34b0-4fc5-bf0a-088a4d7a7aa5" providerId="AD" clId="Web-{DBBEED69-58F2-C21E-906B-EFDD4F37D644}" dt="2020-09-02T16:41:07.471" v="833" actId="1076"/>
+          <ac:picMkLst>
+            <pc:docMk/>
+            <pc:sldMk cId="3435751321" sldId="276"/>
+            <ac:picMk id="5" creationId="{BBD3AA94-AB77-4E7F-A7A8-314197D1AA7E}"/>
+          </ac:picMkLst>
+        </pc:picChg>
       </pc:sldChg>
-      <pc:sldChg chg="addSp delSp modSp new">
-        <pc:chgData name="Ben Roche" userId="S::benroche@kubrickgroup.com::d3c4794b-a3cd-4f30-ad84-b1191a0ca024" providerId="AD" clId="Web-{7BEC3C20-2612-6EB7-FB5B-4EE04F690DB8}" dt="2020-09-02T16:09:49.650" v="5"/>
+      <pc:sldChg chg="addSp delSp modSp add replId addAnim modAnim">
+        <pc:chgData name="Adam Finchett" userId="S::adamfinchett@kubrickgroup.com::bee73f88-34b0-4fc5-bf0a-088a4d7a7aa5" providerId="AD" clId="Web-{DBBEED69-58F2-C21E-906B-EFDD4F37D644}" dt="2020-09-02T16:34:38.412" v="828"/>
         <pc:sldMkLst>
           <pc:docMk/>
-          <pc:sldMk cId="3776364584" sldId="279"/>
+          <pc:sldMk cId="2540201401" sldId="277"/>
         </pc:sldMkLst>
-        <pc:spChg chg="del">
-          <ac:chgData name="Ben Roche" userId="S::benroche@kubrickgroup.com::d3c4794b-a3cd-4f30-ad84-b1191a0ca024" providerId="AD" clId="Web-{7BEC3C20-2612-6EB7-FB5B-4EE04F690DB8}" dt="2020-09-02T16:09:44.181" v="3"/>
+        <pc:spChg chg="add del mod">
+          <ac:chgData name="Adam Finchett" userId="S::adamfinchett@kubrickgroup.com::bee73f88-34b0-4fc5-bf0a-088a4d7a7aa5" providerId="AD" clId="Web-{DBBEED69-58F2-C21E-906B-EFDD4F37D644}" dt="2020-09-02T16:04:03.899" v="351"/>
           <ac:spMkLst>
             <pc:docMk/>
-            <pc:sldMk cId="3776364584" sldId="279"/>
-            <ac:spMk id="3" creationId="{7B640900-9F75-40A2-B9CD-2EDDA842428A}"/>
+            <pc:sldMk cId="2540201401" sldId="277"/>
+            <ac:spMk id="2" creationId="{750041A3-FB7E-4312-BFE2-2BE3E1B1DCDF}"/>
+          </ac:spMkLst>
+        </pc:spChg>
+        <pc:spChg chg="del">
+          <ac:chgData name="Adam Finchett" userId="S::adamfinchett@kubrickgroup.com::bee73f88-34b0-4fc5-bf0a-088a4d7a7aa5" providerId="AD" clId="Web-{DBBEED69-58F2-C21E-906B-EFDD4F37D644}" dt="2020-09-02T16:04:01.931" v="350"/>
+          <ac:spMkLst>
+            <pc:docMk/>
+            <pc:sldMk cId="2540201401" sldId="277"/>
+            <ac:spMk id="4" creationId="{AA192742-BBB9-4953-AABC-179504228DD1}"/>
           </ac:spMkLst>
         </pc:spChg>
         <pc:spChg chg="add mod">
-          <ac:chgData name="Ben Roche" userId="S::benroche@kubrickgroup.com::d3c4794b-a3cd-4f30-ad84-b1191a0ca024" providerId="AD" clId="Web-{7BEC3C20-2612-6EB7-FB5B-4EE04F690DB8}" dt="2020-09-02T16:09:49.650" v="5"/>
+          <ac:chgData name="Adam Finchett" userId="S::adamfinchett@kubrickgroup.com::bee73f88-34b0-4fc5-bf0a-088a4d7a7aa5" providerId="AD" clId="Web-{DBBEED69-58F2-C21E-906B-EFDD4F37D644}" dt="2020-09-02T16:05:09.352" v="503" actId="20577"/>
           <ac:spMkLst>
             <pc:docMk/>
-            <pc:sldMk cId="3776364584" sldId="279"/>
-            <ac:spMk id="6" creationId="{E43CD7D7-8D6E-4F70-8134-7520619B8AD1}"/>
+            <pc:sldMk cId="2540201401" sldId="277"/>
+            <ac:spMk id="7" creationId="{BB7A3535-C397-4531-9F05-BF002EE1920E}"/>
           </ac:spMkLst>
         </pc:spChg>
-        <pc:picChg chg="add del mod ord">
-          <ac:chgData name="Ben Roche" userId="S::benroche@kubrickgroup.com::d3c4794b-a3cd-4f30-ad84-b1191a0ca024" providerId="AD" clId="Web-{7BEC3C20-2612-6EB7-FB5B-4EE04F690DB8}" dt="2020-09-02T16:09:49.650" v="5"/>
+        <pc:spChg chg="add mod ord">
+          <ac:chgData name="Adam Finchett" userId="S::adamfinchett@kubrickgroup.com::bee73f88-34b0-4fc5-bf0a-088a4d7a7aa5" providerId="AD" clId="Web-{DBBEED69-58F2-C21E-906B-EFDD4F37D644}" dt="2020-09-02T16:34:38.412" v="828"/>
+          <ac:spMkLst>
+            <pc:docMk/>
+            <pc:sldMk cId="2540201401" sldId="277"/>
+            <ac:spMk id="12" creationId="{1D02F254-0BD4-4E73-B9A1-D1846CBAF2CA}"/>
+          </ac:spMkLst>
+        </pc:spChg>
+        <pc:graphicFrameChg chg="add mod">
+          <ac:chgData name="Adam Finchett" userId="S::adamfinchett@kubrickgroup.com::bee73f88-34b0-4fc5-bf0a-088a4d7a7aa5" providerId="AD" clId="Web-{DBBEED69-58F2-C21E-906B-EFDD4F37D644}" dt="2020-09-02T16:07:56.585" v="519" actId="1076"/>
+          <ac:graphicFrameMkLst>
+            <pc:docMk/>
+            <pc:sldMk cId="2540201401" sldId="277"/>
+            <ac:graphicFrameMk id="9" creationId="{D37D8DDA-98F6-4C33-8077-7DF80991C5EA}"/>
+          </ac:graphicFrameMkLst>
+        </pc:graphicFrameChg>
+        <pc:picChg chg="add mod">
+          <ac:chgData name="Adam Finchett" userId="S::adamfinchett@kubrickgroup.com::bee73f88-34b0-4fc5-bf0a-088a4d7a7aa5" providerId="AD" clId="Web-{DBBEED69-58F2-C21E-906B-EFDD4F37D644}" dt="2020-09-02T16:34:32.428" v="827" actId="1076"/>
           <ac:picMkLst>
             <pc:docMk/>
-            <pc:sldMk cId="3776364584" sldId="279"/>
-            <ac:picMk id="4" creationId="{9ECB94EE-8D8A-4E5F-BDD9-558E8CA4460F}"/>
+            <pc:sldMk cId="2540201401" sldId="277"/>
+            <ac:picMk id="10" creationId="{1DE1B867-A348-43D9-A18A-4145E240C070}"/>
+          </ac:picMkLst>
+        </pc:picChg>
+        <pc:picChg chg="add del mod">
+          <ac:chgData name="Adam Finchett" userId="S::adamfinchett@kubrickgroup.com::bee73f88-34b0-4fc5-bf0a-088a4d7a7aa5" providerId="AD" clId="Web-{DBBEED69-58F2-C21E-906B-EFDD4F37D644}" dt="2020-09-02T16:33:17.460" v="801"/>
+          <ac:picMkLst>
+            <pc:docMk/>
+            <pc:sldMk cId="2540201401" sldId="277"/>
+            <ac:picMk id="11" creationId="{3E546771-D0A5-4C9F-AE46-AAB5F036C2AC}"/>
           </ac:picMkLst>
         </pc:picChg>
       </pc:sldChg>
-      <pc:sldChg chg="addSp modSp modNotes">
-        <pc:chgData name="Ben Roche" userId="S::benroche@kubrickgroup.com::d3c4794b-a3cd-4f30-ad84-b1191a0ca024" providerId="AD" clId="Web-{7BEC3C20-2612-6EB7-FB5B-4EE04F690DB8}" dt="2020-09-02T16:29:32.571" v="233"/>
+      <pc:sldChg chg="addSp delSp modSp new mod modClrScheme chgLayout">
+        <pc:chgData name="Adam Finchett" userId="S::adamfinchett@kubrickgroup.com::bee73f88-34b0-4fc5-bf0a-088a4d7a7aa5" providerId="AD" clId="Web-{DBBEED69-58F2-C21E-906B-EFDD4F37D644}" dt="2020-09-02T18:16:55.241" v="928" actId="20577"/>
         <pc:sldMkLst>
           <pc:docMk/>
-          <pc:sldMk cId="1850534403" sldId="282"/>
+          <pc:sldMk cId="3343809503" sldId="280"/>
         </pc:sldMkLst>
-        <pc:spChg chg="mod">
-          <ac:chgData name="Ben Roche" userId="S::benroche@kubrickgroup.com::d3c4794b-a3cd-4f30-ad84-b1191a0ca024" providerId="AD" clId="Web-{7BEC3C20-2612-6EB7-FB5B-4EE04F690DB8}" dt="2020-09-02T16:28:45.163" v="227" actId="20577"/>
+        <pc:spChg chg="del">
+          <ac:chgData name="Adam Finchett" userId="S::adamfinchett@kubrickgroup.com::bee73f88-34b0-4fc5-bf0a-088a4d7a7aa5" providerId="AD" clId="Web-{DBBEED69-58F2-C21E-906B-EFDD4F37D644}" dt="2020-09-02T16:14:14.940" v="538"/>
           <ac:spMkLst>
             <pc:docMk/>
-            <pc:sldMk cId="1850534403" sldId="282"/>
-            <ac:spMk id="8" creationId="{765314C6-931F-4D83-8602-430E9A6E80DD}"/>
+            <pc:sldMk cId="3343809503" sldId="280"/>
+            <ac:spMk id="2" creationId="{8CE98AAC-FD73-433D-AA0D-715356E82C05}"/>
           </ac:spMkLst>
         </pc:spChg>
-        <pc:graphicFrameChg chg="add mod">
-          <ac:chgData name="Ben Roche" userId="S::benroche@kubrickgroup.com::d3c4794b-a3cd-4f30-ad84-b1191a0ca024" providerId="AD" clId="Web-{7BEC3C20-2612-6EB7-FB5B-4EE04F690DB8}" dt="2020-09-02T16:28:03.631" v="113" actId="1076"/>
+        <pc:spChg chg="del">
+          <ac:chgData name="Adam Finchett" userId="S::adamfinchett@kubrickgroup.com::bee73f88-34b0-4fc5-bf0a-088a4d7a7aa5" providerId="AD" clId="Web-{DBBEED69-58F2-C21E-906B-EFDD4F37D644}" dt="2020-09-02T16:14:26.581" v="540"/>
+          <ac:spMkLst>
+            <pc:docMk/>
+            <pc:sldMk cId="3343809503" sldId="280"/>
+            <ac:spMk id="3" creationId="{5776770D-A7EA-41D4-994C-2466B8F804CD}"/>
+          </ac:spMkLst>
+        </pc:spChg>
+        <pc:spChg chg="del">
+          <ac:chgData name="Adam Finchett" userId="S::adamfinchett@kubrickgroup.com::bee73f88-34b0-4fc5-bf0a-088a4d7a7aa5" providerId="AD" clId="Web-{DBBEED69-58F2-C21E-906B-EFDD4F37D644}" dt="2020-09-02T16:14:26.581" v="540"/>
+          <ac:spMkLst>
+            <pc:docMk/>
+            <pc:sldMk cId="3343809503" sldId="280"/>
+            <ac:spMk id="4" creationId="{E23A0EC8-3F13-4060-8913-68EBDD2ABF52}"/>
+          </ac:spMkLst>
+        </pc:spChg>
+        <pc:spChg chg="add mod">
+          <ac:chgData name="Adam Finchett" userId="S::adamfinchett@kubrickgroup.com::bee73f88-34b0-4fc5-bf0a-088a4d7a7aa5" providerId="AD" clId="Web-{DBBEED69-58F2-C21E-906B-EFDD4F37D644}" dt="2020-09-02T18:16:55.241" v="928" actId="20577"/>
+          <ac:spMkLst>
+            <pc:docMk/>
+            <pc:sldMk cId="3343809503" sldId="280"/>
+            <ac:spMk id="7" creationId="{EAF88C8E-054D-4BBD-8B37-1F119D046DD5}"/>
+          </ac:spMkLst>
+        </pc:spChg>
+        <pc:spChg chg="add mod">
+          <ac:chgData name="Adam Finchett" userId="S::adamfinchett@kubrickgroup.com::bee73f88-34b0-4fc5-bf0a-088a4d7a7aa5" providerId="AD" clId="Web-{DBBEED69-58F2-C21E-906B-EFDD4F37D644}" dt="2020-09-02T18:16:26.007" v="917"/>
+          <ac:spMkLst>
+            <pc:docMk/>
+            <pc:sldMk cId="3343809503" sldId="280"/>
+            <ac:spMk id="11" creationId="{DE1EAB93-BF49-4CA1-B9B7-1B511E065C63}"/>
+          </ac:spMkLst>
+        </pc:spChg>
+        <pc:spChg chg="add del mod">
+          <ac:chgData name="Adam Finchett" userId="S::adamfinchett@kubrickgroup.com::bee73f88-34b0-4fc5-bf0a-088a4d7a7aa5" providerId="AD" clId="Web-{DBBEED69-58F2-C21E-906B-EFDD4F37D644}" dt="2020-09-02T16:16:08.861" v="585"/>
+          <ac:spMkLst>
+            <pc:docMk/>
+            <pc:sldMk cId="3343809503" sldId="280"/>
+            <ac:spMk id="13" creationId="{8DDC98A1-210E-4C8B-9897-B39F83E391E5}"/>
+          </ac:spMkLst>
+        </pc:spChg>
+        <pc:graphicFrameChg chg="add del mod modGraphic">
+          <ac:chgData name="Adam Finchett" userId="S::adamfinchett@kubrickgroup.com::bee73f88-34b0-4fc5-bf0a-088a4d7a7aa5" providerId="AD" clId="Web-{DBBEED69-58F2-C21E-906B-EFDD4F37D644}" dt="2020-09-02T18:16:12.601" v="915"/>
           <ac:graphicFrameMkLst>
             <pc:docMk/>
-            <pc:sldMk cId="1850534403" sldId="282"/>
-            <ac:graphicFrameMk id="7" creationId="{7568E1C9-E783-4E0F-982A-9DCB53D5764B}"/>
+            <pc:sldMk cId="3343809503" sldId="280"/>
+            <ac:graphicFrameMk id="6" creationId="{8B07DE16-CBB9-4504-A79B-00D9D33EDA23}"/>
           </ac:graphicFrameMkLst>
         </pc:graphicFrameChg>
-        <pc:graphicFrameChg chg="mod">
-          <ac:chgData name="Ben Roche" userId="S::benroche@kubrickgroup.com::d3c4794b-a3cd-4f30-ad84-b1191a0ca024" providerId="AD" clId="Web-{7BEC3C20-2612-6EB7-FB5B-4EE04F690DB8}" dt="2020-09-02T16:27:41.974" v="108" actId="14100"/>
-          <ac:graphicFrameMkLst>
-            <pc:docMk/>
-            <pc:sldMk cId="1850534403" sldId="282"/>
-            <ac:graphicFrameMk id="10" creationId="{30DA06FB-CFD6-469E-82FD-8F8DF804F348}"/>
-          </ac:graphicFrameMkLst>
-        </pc:graphicFrameChg>
-      </pc:sldChg>
-      <pc:sldChg chg="addSp modSp">
-        <pc:chgData name="Ben Roche" userId="S::benroche@kubrickgroup.com::d3c4794b-a3cd-4f30-ad84-b1191a0ca024" providerId="AD" clId="Web-{7BEC3C20-2612-6EB7-FB5B-4EE04F690DB8}" dt="2020-09-02T16:29:07.836" v="230" actId="14100"/>
-        <pc:sldMkLst>
-          <pc:docMk/>
-          <pc:sldMk cId="3039000643" sldId="283"/>
-        </pc:sldMkLst>
-        <pc:graphicFrameChg chg="add">
-          <ac:chgData name="Ben Roche" userId="S::benroche@kubrickgroup.com::d3c4794b-a3cd-4f30-ad84-b1191a0ca024" providerId="AD" clId="Web-{7BEC3C20-2612-6EB7-FB5B-4EE04F690DB8}" dt="2020-09-02T16:28:51.601" v="229"/>
-          <ac:graphicFrameMkLst>
-            <pc:docMk/>
-            <pc:sldMk cId="3039000643" sldId="283"/>
-            <ac:graphicFrameMk id="7" creationId="{9825B13E-AC68-40E0-8C61-264D4E962E6D}"/>
-          </ac:graphicFrameMkLst>
-        </pc:graphicFrameChg>
-        <pc:graphicFrameChg chg="mod">
-          <ac:chgData name="Ben Roche" userId="S::benroche@kubrickgroup.com::d3c4794b-a3cd-4f30-ad84-b1191a0ca024" providerId="AD" clId="Web-{7BEC3C20-2612-6EB7-FB5B-4EE04F690DB8}" dt="2020-09-02T16:29:07.836" v="230" actId="14100"/>
-          <ac:graphicFrameMkLst>
-            <pc:docMk/>
-            <pc:sldMk cId="3039000643" sldId="283"/>
-            <ac:graphicFrameMk id="8" creationId="{623C5292-052C-4536-AF6D-980F46DEB5DA}"/>
-          </ac:graphicFrameMkLst>
-        </pc:graphicFrameChg>
-      </pc:sldChg>
-      <pc:sldChg chg="addSp modSp new del">
-        <pc:chgData name="Ben Roche" userId="S::benroche@kubrickgroup.com::d3c4794b-a3cd-4f30-ad84-b1191a0ca024" providerId="AD" clId="Web-{7BEC3C20-2612-6EB7-FB5B-4EE04F690DB8}" dt="2020-09-02T16:29:37.039" v="234"/>
-        <pc:sldMkLst>
-          <pc:docMk/>
-          <pc:sldMk cId="1757973447" sldId="284"/>
-        </pc:sldMkLst>
-        <pc:spChg chg="mod">
-          <ac:chgData name="Ben Roche" userId="S::benroche@kubrickgroup.com::d3c4794b-a3cd-4f30-ad84-b1191a0ca024" providerId="AD" clId="Web-{7BEC3C20-2612-6EB7-FB5B-4EE04F690DB8}" dt="2020-09-02T16:21:21.308" v="79" actId="20577"/>
-          <ac:spMkLst>
-            <pc:docMk/>
-            <pc:sldMk cId="1757973447" sldId="284"/>
-            <ac:spMk id="2" creationId="{EEC1D6A6-B7A3-4F0D-8588-41C4AE7DB70C}"/>
-          </ac:spMkLst>
-        </pc:spChg>
-        <pc:graphicFrameChg chg="add mod modGraphic">
-          <ac:chgData name="Ben Roche" userId="S::benroche@kubrickgroup.com::d3c4794b-a3cd-4f30-ad84-b1191a0ca024" providerId="AD" clId="Web-{7BEC3C20-2612-6EB7-FB5B-4EE04F690DB8}" dt="2020-09-02T16:21:07.886" v="12" actId="1076"/>
-          <ac:graphicFrameMkLst>
-            <pc:docMk/>
-            <pc:sldMk cId="1757973447" sldId="284"/>
-            <ac:graphicFrameMk id="6" creationId="{BFEEA3F2-714C-427A-8841-70B743718DE1}"/>
-          </ac:graphicFrameMkLst>
-        </pc:graphicFrameChg>
-      </pc:sldChg>
-      <pc:sldChg chg="modSp new">
-        <pc:chgData name="Ben Roche" userId="S::benroche@kubrickgroup.com::d3c4794b-a3cd-4f30-ad84-b1191a0ca024" providerId="AD" clId="Web-{7BEC3C20-2612-6EB7-FB5B-4EE04F690DB8}" dt="2020-09-02T16:31:36.371" v="347" actId="20577"/>
-        <pc:sldMkLst>
-          <pc:docMk/>
-          <pc:sldMk cId="2327640517" sldId="286"/>
-        </pc:sldMkLst>
-        <pc:spChg chg="mod">
-          <ac:chgData name="Ben Roche" userId="S::benroche@kubrickgroup.com::d3c4794b-a3cd-4f30-ad84-b1191a0ca024" providerId="AD" clId="Web-{7BEC3C20-2612-6EB7-FB5B-4EE04F690DB8}" dt="2020-09-02T16:30:48.385" v="259" actId="20577"/>
-          <ac:spMkLst>
-            <pc:docMk/>
-            <pc:sldMk cId="2327640517" sldId="286"/>
-            <ac:spMk id="2" creationId="{553721EC-227F-4A94-B0B3-08D87DCC37BF}"/>
-          </ac:spMkLst>
-        </pc:spChg>
-        <pc:spChg chg="mod">
-          <ac:chgData name="Ben Roche" userId="S::benroche@kubrickgroup.com::d3c4794b-a3cd-4f30-ad84-b1191a0ca024" providerId="AD" clId="Web-{7BEC3C20-2612-6EB7-FB5B-4EE04F690DB8}" dt="2020-09-02T16:31:36.371" v="347" actId="20577"/>
-          <ac:spMkLst>
-            <pc:docMk/>
-            <pc:sldMk cId="2327640517" sldId="286"/>
-            <ac:spMk id="3" creationId="{B833A752-3E64-4CE2-B731-8229300070CB}"/>
-          </ac:spMkLst>
-        </pc:spChg>
-      </pc:sldChg>
-      <pc:sldChg chg="new del">
-        <pc:chgData name="Ben Roche" userId="S::benroche@kubrickgroup.com::d3c4794b-a3cd-4f30-ad84-b1191a0ca024" providerId="AD" clId="Web-{7BEC3C20-2612-6EB7-FB5B-4EE04F690DB8}" dt="2020-09-02T16:30:36.697" v="237"/>
-        <pc:sldMkLst>
-          <pc:docMk/>
-          <pc:sldMk cId="3075349054" sldId="286"/>
-        </pc:sldMkLst>
-      </pc:sldChg>
-      <pc:sldChg chg="new del">
-        <pc:chgData name="Ben Roche" userId="S::benroche@kubrickgroup.com::d3c4794b-a3cd-4f30-ad84-b1191a0ca024" providerId="AD" clId="Web-{7BEC3C20-2612-6EB7-FB5B-4EE04F690DB8}" dt="2020-09-02T16:45:37.095" v="350"/>
-        <pc:sldMkLst>
-          <pc:docMk/>
-          <pc:sldMk cId="1213426480" sldId="287"/>
-        </pc:sldMkLst>
-      </pc:sldChg>
-      <pc:sldChg chg="modSp new">
-        <pc:chgData name="Ben Roche" userId="S::benroche@kubrickgroup.com::d3c4794b-a3cd-4f30-ad84-b1191a0ca024" providerId="AD" clId="Web-{7BEC3C20-2612-6EB7-FB5B-4EE04F690DB8}" dt="2020-09-02T16:47:27.254" v="778" actId="20577"/>
-        <pc:sldMkLst>
-          <pc:docMk/>
-          <pc:sldMk cId="2413188153" sldId="287"/>
-        </pc:sldMkLst>
-        <pc:spChg chg="mod">
-          <ac:chgData name="Ben Roche" userId="S::benroche@kubrickgroup.com::d3c4794b-a3cd-4f30-ad84-b1191a0ca024" providerId="AD" clId="Web-{7BEC3C20-2612-6EB7-FB5B-4EE04F690DB8}" dt="2020-09-02T16:45:47.954" v="364" actId="20577"/>
-          <ac:spMkLst>
-            <pc:docMk/>
-            <pc:sldMk cId="2413188153" sldId="287"/>
-            <ac:spMk id="2" creationId="{58A94145-271F-4DF5-806E-756B4D527EB2}"/>
-          </ac:spMkLst>
-        </pc:spChg>
-        <pc:spChg chg="mod">
-          <ac:chgData name="Ben Roche" userId="S::benroche@kubrickgroup.com::d3c4794b-a3cd-4f30-ad84-b1191a0ca024" providerId="AD" clId="Web-{7BEC3C20-2612-6EB7-FB5B-4EE04F690DB8}" dt="2020-09-02T16:47:27.254" v="778" actId="20577"/>
-          <ac:spMkLst>
-            <pc:docMk/>
-            <pc:sldMk cId="2413188153" sldId="287"/>
-            <ac:spMk id="3" creationId="{30E81679-AFC8-469E-B744-EB59EEEABBB3}"/>
-          </ac:spMkLst>
-        </pc:spChg>
-      </pc:sldChg>
-    </pc:docChg>
-  </pc:docChgLst>
-  <pc:docChgLst>
-    <pc:chgData name="Ankush Thobhani" userId="S::ankushthobhani@kubrickgroup.com::43e937d4-32e7-4300-8f7f-4bf8c13eccea" providerId="AD" clId="Web-{F2BC3823-7F76-FC7A-28AE-89F0884CD5C9}"/>
-    <pc:docChg chg="addSld modSld">
-      <pc:chgData name="Ankush Thobhani" userId="S::ankushthobhani@kubrickgroup.com::43e937d4-32e7-4300-8f7f-4bf8c13eccea" providerId="AD" clId="Web-{F2BC3823-7F76-FC7A-28AE-89F0884CD5C9}" dt="2020-09-02T16:15:50.581" v="668" actId="1076"/>
-      <pc:docMkLst>
-        <pc:docMk/>
-      </pc:docMkLst>
-      <pc:sldChg chg="modSp">
-        <pc:chgData name="Ankush Thobhani" userId="S::ankushthobhani@kubrickgroup.com::43e937d4-32e7-4300-8f7f-4bf8c13eccea" providerId="AD" clId="Web-{F2BC3823-7F76-FC7A-28AE-89F0884CD5C9}" dt="2020-09-02T15:57:55.389" v="1" actId="1076"/>
-        <pc:sldMkLst>
-          <pc:docMk/>
-          <pc:sldMk cId="745944237" sldId="272"/>
-        </pc:sldMkLst>
-        <pc:picChg chg="mod">
-          <ac:chgData name="Ankush Thobhani" userId="S::ankushthobhani@kubrickgroup.com::43e937d4-32e7-4300-8f7f-4bf8c13eccea" providerId="AD" clId="Web-{F2BC3823-7F76-FC7A-28AE-89F0884CD5C9}" dt="2020-09-02T15:57:55.389" v="1" actId="1076"/>
+        <pc:picChg chg="add mod ord">
+          <ac:chgData name="Adam Finchett" userId="S::adamfinchett@kubrickgroup.com::bee73f88-34b0-4fc5-bf0a-088a4d7a7aa5" providerId="AD" clId="Web-{DBBEED69-58F2-C21E-906B-EFDD4F37D644}" dt="2020-09-02T18:16:26.007" v="917"/>
           <ac:picMkLst>
             <pc:docMk/>
-            <pc:sldMk cId="745944237" sldId="272"/>
-            <ac:picMk id="6" creationId="{4AE0DD0C-3AC7-40A7-9FFB-231BE2467C69}"/>
+            <pc:sldMk cId="3343809503" sldId="280"/>
+            <ac:picMk id="2" creationId="{A600B777-890D-4BB1-B0BF-045295415C4B}"/>
           </ac:picMkLst>
         </pc:picChg>
       </pc:sldChg>
-      <pc:sldChg chg="addSp delSp modSp new">
-        <pc:chgData name="Ankush Thobhani" userId="S::ankushthobhani@kubrickgroup.com::43e937d4-32e7-4300-8f7f-4bf8c13eccea" providerId="AD" clId="Web-{F2BC3823-7F76-FC7A-28AE-89F0884CD5C9}" dt="2020-09-02T16:15:50.581" v="668" actId="1076"/>
+      <pc:sldChg chg="addSp delSp modSp add mod ord replId modClrScheme chgLayout">
+        <pc:chgData name="Adam Finchett" userId="S::adamfinchett@kubrickgroup.com::bee73f88-34b0-4fc5-bf0a-088a4d7a7aa5" providerId="AD" clId="Web-{DBBEED69-58F2-C21E-906B-EFDD4F37D644}" dt="2020-09-02T16:54:23.994" v="912" actId="1076"/>
         <pc:sldMkLst>
           <pc:docMk/>
-          <pc:sldMk cId="3781540792" sldId="275"/>
+          <pc:sldMk cId="1512080718" sldId="281"/>
         </pc:sldMkLst>
-        <pc:spChg chg="add del">
-          <ac:chgData name="Ankush Thobhani" userId="S::ankushthobhani@kubrickgroup.com::43e937d4-32e7-4300-8f7f-4bf8c13eccea" providerId="AD" clId="Web-{F2BC3823-7F76-FC7A-28AE-89F0884CD5C9}" dt="2020-09-02T16:03:20.739" v="18"/>
+        <pc:spChg chg="add mod">
+          <ac:chgData name="Adam Finchett" userId="S::adamfinchett@kubrickgroup.com::bee73f88-34b0-4fc5-bf0a-088a4d7a7aa5" providerId="AD" clId="Web-{DBBEED69-58F2-C21E-906B-EFDD4F37D644}" dt="2020-09-02T16:17:13.938" v="783"/>
           <ac:spMkLst>
             <pc:docMk/>
-            <pc:sldMk cId="3781540792" sldId="275"/>
-            <ac:spMk id="2" creationId="{57CD88B9-EADB-4E5F-8EF1-7A1B8CEEDE18}"/>
+            <pc:sldMk cId="1512080718" sldId="281"/>
+            <ac:spMk id="3" creationId="{CEBF25F5-4C56-4F07-A7F5-F1FDB496EAC0}"/>
           </ac:spMkLst>
         </pc:spChg>
-        <pc:spChg chg="mod">
-          <ac:chgData name="Ankush Thobhani" userId="S::ankushthobhani@kubrickgroup.com::43e937d4-32e7-4300-8f7f-4bf8c13eccea" providerId="AD" clId="Web-{F2BC3823-7F76-FC7A-28AE-89F0884CD5C9}" dt="2020-09-02T16:03:30.926" v="19"/>
+        <pc:spChg chg="mod ord">
+          <ac:chgData name="Adam Finchett" userId="S::adamfinchett@kubrickgroup.com::bee73f88-34b0-4fc5-bf0a-088a4d7a7aa5" providerId="AD" clId="Web-{DBBEED69-58F2-C21E-906B-EFDD4F37D644}" dt="2020-09-02T16:15:48.111" v="581"/>
           <ac:spMkLst>
             <pc:docMk/>
-            <pc:sldMk cId="3781540792" sldId="275"/>
-            <ac:spMk id="3" creationId="{F8B16476-4521-4B3D-8D19-F1C906521EA5}"/>
+            <pc:sldMk cId="1512080718" sldId="281"/>
+            <ac:spMk id="11" creationId="{DE1EAB93-BF49-4CA1-B9B7-1B511E065C63}"/>
           </ac:spMkLst>
         </pc:spChg>
         <pc:spChg chg="del">
-          <ac:chgData name="Ankush Thobhani" userId="S::ankushthobhani@kubrickgroup.com::43e937d4-32e7-4300-8f7f-4bf8c13eccea" providerId="AD" clId="Web-{F2BC3823-7F76-FC7A-28AE-89F0884CD5C9}" dt="2020-09-02T16:03:30.926" v="19"/>
+          <ac:chgData name="Adam Finchett" userId="S::adamfinchett@kubrickgroup.com::bee73f88-34b0-4fc5-bf0a-088a4d7a7aa5" providerId="AD" clId="Web-{DBBEED69-58F2-C21E-906B-EFDD4F37D644}" dt="2020-09-02T16:15:48.111" v="581"/>
           <ac:spMkLst>
             <pc:docMk/>
-            <pc:sldMk cId="3781540792" sldId="275"/>
-            <ac:spMk id="4" creationId="{7ABD943E-A513-473F-B54F-4EE8DC12C5B5}"/>
+            <pc:sldMk cId="1512080718" sldId="281"/>
+            <ac:spMk id="13" creationId="{8DDC98A1-210E-4C8B-9897-B39F83E391E5}"/>
           </ac:spMkLst>
         </pc:spChg>
         <pc:spChg chg="add del mod">
-          <ac:chgData name="Ankush Thobhani" userId="S::ankushthobhani@kubrickgroup.com::43e937d4-32e7-4300-8f7f-4bf8c13eccea" providerId="AD" clId="Web-{F2BC3823-7F76-FC7A-28AE-89F0884CD5C9}" dt="2020-09-02T16:14:37.502" v="656"/>
+          <ac:chgData name="Adam Finchett" userId="S::adamfinchett@kubrickgroup.com::bee73f88-34b0-4fc5-bf0a-088a4d7a7aa5" providerId="AD" clId="Web-{DBBEED69-58F2-C21E-906B-EFDD4F37D644}" dt="2020-09-02T16:17:13.159" v="782"/>
           <ac:spMkLst>
             <pc:docMk/>
-            <pc:sldMk cId="3781540792" sldId="275"/>
-            <ac:spMk id="10" creationId="{9B99118A-48B2-40E7-B98A-35B5209E1ADB}"/>
+            <pc:sldMk cId="1512080718" sldId="281"/>
+            <ac:spMk id="18" creationId="{24962F50-6763-4153-9F66-75CA55E7A867}"/>
           </ac:spMkLst>
         </pc:spChg>
-        <pc:spChg chg="add mod">
-          <ac:chgData name="Ankush Thobhani" userId="S::ankushthobhani@kubrickgroup.com::43e937d4-32e7-4300-8f7f-4bf8c13eccea" providerId="AD" clId="Web-{F2BC3823-7F76-FC7A-28AE-89F0884CD5C9}" dt="2020-09-02T16:11:12.170" v="644" actId="20577"/>
-          <ac:spMkLst>
+        <pc:graphicFrameChg chg="del">
+          <ac:chgData name="Adam Finchett" userId="S::adamfinchett@kubrickgroup.com::bee73f88-34b0-4fc5-bf0a-088a4d7a7aa5" providerId="AD" clId="Web-{DBBEED69-58F2-C21E-906B-EFDD4F37D644}" dt="2020-09-02T16:15:23.486" v="578"/>
+          <ac:graphicFrameMkLst>
             <pc:docMk/>
-            <pc:sldMk cId="3781540792" sldId="275"/>
-            <ac:spMk id="11" creationId="{EE9D6482-7AAD-45D6-8A16-7E6AE4A18854}"/>
-          </ac:spMkLst>
-        </pc:spChg>
-        <pc:spChg chg="add del mod">
-          <ac:chgData name="Ankush Thobhani" userId="S::ankushthobhani@kubrickgroup.com::43e937d4-32e7-4300-8f7f-4bf8c13eccea" providerId="AD" clId="Web-{F2BC3823-7F76-FC7A-28AE-89F0884CD5C9}" dt="2020-09-02T16:15:05.721" v="659"/>
-          <ac:spMkLst>
-            <pc:docMk/>
-            <pc:sldMk cId="3781540792" sldId="275"/>
-            <ac:spMk id="13" creationId="{7ACF57EA-E9FE-4237-8139-EDE1A6702FC9}"/>
-          </ac:spMkLst>
-        </pc:spChg>
-        <pc:picChg chg="add del mod ord modCrop">
-          <ac:chgData name="Ankush Thobhani" userId="S::ankushthobhani@kubrickgroup.com::43e937d4-32e7-4300-8f7f-4bf8c13eccea" providerId="AD" clId="Web-{F2BC3823-7F76-FC7A-28AE-89F0884CD5C9}" dt="2020-09-02T16:02:05.394" v="15"/>
+            <pc:sldMk cId="1512080718" sldId="281"/>
+            <ac:graphicFrameMk id="6" creationId="{8B07DE16-CBB9-4504-A79B-00D9D33EDA23}"/>
+          </ac:graphicFrameMkLst>
+        </pc:graphicFrameChg>
+        <pc:picChg chg="add mod">
+          <ac:chgData name="Adam Finchett" userId="S::adamfinchett@kubrickgroup.com::bee73f88-34b0-4fc5-bf0a-088a4d7a7aa5" providerId="AD" clId="Web-{DBBEED69-58F2-C21E-906B-EFDD4F37D644}" dt="2020-09-02T16:54:13.525" v="905" actId="1076"/>
           <ac:picMkLst>
             <pc:docMk/>
-            <pc:sldMk cId="3781540792" sldId="275"/>
-            <ac:picMk id="5" creationId="{6AEB323A-EF07-40DD-A1DE-3FCEAAD31AD1}"/>
-          </ac:picMkLst>
-        </pc:picChg>
-        <pc:picChg chg="add del mod ord modCrop">
-          <ac:chgData name="Ankush Thobhani" userId="S::ankushthobhani@kubrickgroup.com::43e937d4-32e7-4300-8f7f-4bf8c13eccea" providerId="AD" clId="Web-{F2BC3823-7F76-FC7A-28AE-89F0884CD5C9}" dt="2020-09-02T16:14:50.065" v="657"/>
-          <ac:picMkLst>
-            <pc:docMk/>
-            <pc:sldMk cId="3781540792" sldId="275"/>
-            <ac:picMk id="6" creationId="{F5319A7E-F464-4262-9853-EB727C7B056A}"/>
+            <pc:sldMk cId="1512080718" sldId="281"/>
+            <ac:picMk id="2" creationId="{374786F6-1314-432B-B840-FDFA85E9B246}"/>
           </ac:picMkLst>
         </pc:picChg>
         <pc:picChg chg="add mod">
-          <ac:chgData name="Ankush Thobhani" userId="S::ankushthobhani@kubrickgroup.com::43e937d4-32e7-4300-8f7f-4bf8c13eccea" providerId="AD" clId="Web-{F2BC3823-7F76-FC7A-28AE-89F0884CD5C9}" dt="2020-09-02T16:15:41.612" v="665" actId="1076"/>
+          <ac:chgData name="Adam Finchett" userId="S::adamfinchett@kubrickgroup.com::bee73f88-34b0-4fc5-bf0a-088a4d7a7aa5" providerId="AD" clId="Web-{DBBEED69-58F2-C21E-906B-EFDD4F37D644}" dt="2020-09-02T16:54:23.994" v="912" actId="1076"/>
           <ac:picMkLst>
             <pc:docMk/>
-            <pc:sldMk cId="3781540792" sldId="275"/>
-            <ac:picMk id="7" creationId="{72A5605B-C899-48BF-A068-49B82827E5A1}"/>
+            <pc:sldMk cId="1512080718" sldId="281"/>
+            <ac:picMk id="4" creationId="{CD80D81C-4432-4DF7-8086-6BEA00998AD2}"/>
           </ac:picMkLst>
         </pc:picChg>
-        <pc:picChg chg="add mod">
-          <ac:chgData name="Ankush Thobhani" userId="S::ankushthobhani@kubrickgroup.com::43e937d4-32e7-4300-8f7f-4bf8c13eccea" providerId="AD" clId="Web-{F2BC3823-7F76-FC7A-28AE-89F0884CD5C9}" dt="2020-09-02T16:15:50.581" v="668" actId="1076"/>
-          <ac:picMkLst>
-            <pc:docMk/>
-            <pc:sldMk cId="3781540792" sldId="275"/>
-            <ac:picMk id="8" creationId="{26E85DFF-0DDF-4FC4-A540-1AF6E13FC9FF}"/>
-          </ac:picMkLst>
-        </pc:picChg>
-        <pc:picChg chg="add mod ord modCrop">
-          <ac:chgData name="Ankush Thobhani" userId="S::ankushthobhani@kubrickgroup.com::43e937d4-32e7-4300-8f7f-4bf8c13eccea" providerId="AD" clId="Web-{F2BC3823-7F76-FC7A-28AE-89F0884CD5C9}" dt="2020-09-02T16:15:48.238" v="667" actId="1076"/>
-          <ac:picMkLst>
-            <pc:docMk/>
-            <pc:sldMk cId="3781540792" sldId="275"/>
-            <ac:picMk id="14" creationId="{33E586CC-93D2-453D-99F1-873FE987556B}"/>
-          </ac:picMkLst>
-        </pc:picChg>
-      </pc:sldChg>
-    </pc:docChg>
-  </pc:docChgLst>
-  <pc:docChgLst>
-    <pc:chgData clId="Web-{DFC8CA24-8D93-B6CF-C38A-3BC120D1CD82}"/>
-    <pc:docChg chg="modSld">
-      <pc:chgData name="" userId="" providerId="" clId="Web-{DFC8CA24-8D93-B6CF-C38A-3BC120D1CD82}" dt="2020-09-03T07:39:34.653" v="9"/>
-      <pc:docMkLst>
-        <pc:docMk/>
-      </pc:docMkLst>
-      <pc:sldChg chg="modNotes">
-        <pc:chgData name="" userId="" providerId="" clId="Web-{DFC8CA24-8D93-B6CF-C38A-3BC120D1CD82}" dt="2020-09-03T07:39:34.653" v="9"/>
-        <pc:sldMkLst>
-          <pc:docMk/>
-          <pc:sldMk cId="2327640517" sldId="286"/>
-        </pc:sldMkLst>
       </pc:sldChg>
     </pc:docChg>
   </pc:docChgLst>
@@ -846,9 +780,25 @@
     </pc:docChg>
   </pc:docChgLst>
   <pc:docChgLst>
+    <pc:chgData clId="Web-{DFC8CA24-8D93-B6CF-C38A-3BC120D1CD82}"/>
+    <pc:docChg chg="modSld">
+      <pc:chgData name="" userId="" providerId="" clId="Web-{DFC8CA24-8D93-B6CF-C38A-3BC120D1CD82}" dt="2020-09-03T07:39:34.653" v="9"/>
+      <pc:docMkLst>
+        <pc:docMk/>
+      </pc:docMkLst>
+      <pc:sldChg chg="modNotes">
+        <pc:chgData name="" userId="" providerId="" clId="Web-{DFC8CA24-8D93-B6CF-C38A-3BC120D1CD82}" dt="2020-09-03T07:39:34.653" v="9"/>
+        <pc:sldMkLst>
+          <pc:docMk/>
+          <pc:sldMk cId="2327640517" sldId="286"/>
+        </pc:sldMkLst>
+      </pc:sldChg>
+    </pc:docChg>
+  </pc:docChgLst>
+  <pc:docChgLst>
     <pc:chgData name="Sam Purle" userId="7ebcac23-73d8-4ece-8f0a-d1881ab999fd" providerId="ADAL" clId="{C5C781CB-DFC2-4A93-B9C3-F131FF478C41}"/>
-    <pc:docChg chg="undo custSel mod addSld delSld modSld sldOrd">
-      <pc:chgData name="Sam Purle" userId="7ebcac23-73d8-4ece-8f0a-d1881ab999fd" providerId="ADAL" clId="{C5C781CB-DFC2-4A93-B9C3-F131FF478C41}" dt="2020-09-03T07:59:55.570" v="1056" actId="20577"/>
+    <pc:docChg chg="undo redo custSel mod addSld delSld modSld sldOrd">
+      <pc:chgData name="Sam Purle" userId="7ebcac23-73d8-4ece-8f0a-d1881ab999fd" providerId="ADAL" clId="{C5C781CB-DFC2-4A93-B9C3-F131FF478C41}" dt="2020-09-03T10:43:57.041" v="1748" actId="20577"/>
       <pc:docMkLst>
         <pc:docMk/>
       </pc:docMkLst>
@@ -898,11 +848,19 @@
         </pc:spChg>
       </pc:sldChg>
       <pc:sldChg chg="addSp delSp modSp mod">
-        <pc:chgData name="Sam Purle" userId="7ebcac23-73d8-4ece-8f0a-d1881ab999fd" providerId="ADAL" clId="{C5C781CB-DFC2-4A93-B9C3-F131FF478C41}" dt="2020-09-03T07:03:17.549" v="953" actId="1076"/>
+        <pc:chgData name="Sam Purle" userId="7ebcac23-73d8-4ece-8f0a-d1881ab999fd" providerId="ADAL" clId="{C5C781CB-DFC2-4A93-B9C3-F131FF478C41}" dt="2020-09-03T10:43:57.041" v="1748" actId="20577"/>
         <pc:sldMkLst>
           <pc:docMk/>
           <pc:sldMk cId="534465788" sldId="265"/>
         </pc:sldMkLst>
+        <pc:spChg chg="mod">
+          <ac:chgData name="Sam Purle" userId="7ebcac23-73d8-4ece-8f0a-d1881ab999fd" providerId="ADAL" clId="{C5C781CB-DFC2-4A93-B9C3-F131FF478C41}" dt="2020-09-03T10:43:57.041" v="1748" actId="20577"/>
+          <ac:spMkLst>
+            <pc:docMk/>
+            <pc:sldMk cId="534465788" sldId="265"/>
+            <ac:spMk id="4" creationId="{E68FCA79-CCA9-42BE-9E26-72C726859CA2}"/>
+          </ac:spMkLst>
+        </pc:spChg>
         <pc:spChg chg="add del mod">
           <ac:chgData name="Sam Purle" userId="7ebcac23-73d8-4ece-8f0a-d1881ab999fd" providerId="ADAL" clId="{C5C781CB-DFC2-4A93-B9C3-F131FF478C41}" dt="2020-09-02T16:06:25.343" v="693" actId="478"/>
           <ac:spMkLst>
@@ -969,32 +927,48 @@
         </pc:graphicFrameChg>
       </pc:sldChg>
       <pc:sldChg chg="modSp mod">
-        <pc:chgData name="Sam Purle" userId="7ebcac23-73d8-4ece-8f0a-d1881ab999fd" providerId="ADAL" clId="{C5C781CB-DFC2-4A93-B9C3-F131FF478C41}" dt="2020-09-03T07:59:55.570" v="1056" actId="20577"/>
+        <pc:chgData name="Sam Purle" userId="7ebcac23-73d8-4ece-8f0a-d1881ab999fd" providerId="ADAL" clId="{C5C781CB-DFC2-4A93-B9C3-F131FF478C41}" dt="2020-09-03T10:26:56.676" v="1677" actId="1076"/>
         <pc:sldMkLst>
           <pc:docMk/>
           <pc:sldMk cId="2257259086" sldId="267"/>
         </pc:sldMkLst>
         <pc:spChg chg="mod">
-          <ac:chgData name="Sam Purle" userId="7ebcac23-73d8-4ece-8f0a-d1881ab999fd" providerId="ADAL" clId="{C5C781CB-DFC2-4A93-B9C3-F131FF478C41}" dt="2020-09-03T07:59:55.570" v="1056" actId="20577"/>
+          <ac:chgData name="Sam Purle" userId="7ebcac23-73d8-4ece-8f0a-d1881ab999fd" providerId="ADAL" clId="{C5C781CB-DFC2-4A93-B9C3-F131FF478C41}" dt="2020-09-03T10:25:19.448" v="1654" actId="6549"/>
           <ac:spMkLst>
             <pc:docMk/>
             <pc:sldMk cId="2257259086" sldId="267"/>
             <ac:spMk id="4" creationId="{364C3527-12DA-45A8-8CA4-62196F37E3F1}"/>
           </ac:spMkLst>
         </pc:spChg>
+        <pc:picChg chg="mod modCrop">
+          <ac:chgData name="Sam Purle" userId="7ebcac23-73d8-4ece-8f0a-d1881ab999fd" providerId="ADAL" clId="{C5C781CB-DFC2-4A93-B9C3-F131FF478C41}" dt="2020-09-03T10:26:56.676" v="1677" actId="1076"/>
+          <ac:picMkLst>
+            <pc:docMk/>
+            <pc:sldMk cId="2257259086" sldId="267"/>
+            <ac:picMk id="16" creationId="{B0364680-B5C8-4762-8598-00E562A7F5C6}"/>
+          </ac:picMkLst>
+        </pc:picChg>
       </pc:sldChg>
       <pc:sldChg chg="addSp delSp modSp mod">
-        <pc:chgData name="Sam Purle" userId="7ebcac23-73d8-4ece-8f0a-d1881ab999fd" providerId="ADAL" clId="{C5C781CB-DFC2-4A93-B9C3-F131FF478C41}" dt="2020-09-03T07:23:01.512" v="1036" actId="20577"/>
+        <pc:chgData name="Sam Purle" userId="7ebcac23-73d8-4ece-8f0a-d1881ab999fd" providerId="ADAL" clId="{C5C781CB-DFC2-4A93-B9C3-F131FF478C41}" dt="2020-09-03T10:29:07.315" v="1689" actId="20577"/>
         <pc:sldMkLst>
           <pc:docMk/>
           <pc:sldMk cId="1791334714" sldId="268"/>
         </pc:sldMkLst>
         <pc:spChg chg="mod">
-          <ac:chgData name="Sam Purle" userId="7ebcac23-73d8-4ece-8f0a-d1881ab999fd" providerId="ADAL" clId="{C5C781CB-DFC2-4A93-B9C3-F131FF478C41}" dt="2020-09-03T07:23:01.512" v="1036" actId="20577"/>
+          <ac:chgData name="Sam Purle" userId="7ebcac23-73d8-4ece-8f0a-d1881ab999fd" providerId="ADAL" clId="{C5C781CB-DFC2-4A93-B9C3-F131FF478C41}" dt="2020-09-03T10:29:07.315" v="1689" actId="20577"/>
           <ac:spMkLst>
             <pc:docMk/>
             <pc:sldMk cId="1791334714" sldId="268"/>
             <ac:spMk id="4" creationId="{D41470D3-164B-4132-8BC6-10D00E76E64E}"/>
+          </ac:spMkLst>
+        </pc:spChg>
+        <pc:spChg chg="add del mod">
+          <ac:chgData name="Sam Purle" userId="7ebcac23-73d8-4ece-8f0a-d1881ab999fd" providerId="ADAL" clId="{C5C781CB-DFC2-4A93-B9C3-F131FF478C41}" dt="2020-09-03T10:25:14.380" v="1653" actId="22"/>
+          <ac:spMkLst>
+            <pc:docMk/>
+            <pc:sldMk cId="1791334714" sldId="268"/>
+            <ac:spMk id="5" creationId="{05BEE3A6-58F1-4495-B2E5-188BD4280B0E}"/>
           </ac:spMkLst>
         </pc:spChg>
         <pc:spChg chg="add del mod">
@@ -1014,6 +988,14 @@
           </ac:spMkLst>
         </pc:spChg>
         <pc:graphicFrameChg chg="add del mod">
+          <ac:chgData name="Sam Purle" userId="7ebcac23-73d8-4ece-8f0a-d1881ab999fd" providerId="ADAL" clId="{C5C781CB-DFC2-4A93-B9C3-F131FF478C41}" dt="2020-09-03T10:25:14.380" v="1653" actId="22"/>
+          <ac:graphicFrameMkLst>
+            <pc:docMk/>
+            <pc:sldMk cId="1791334714" sldId="268"/>
+            <ac:graphicFrameMk id="6" creationId="{07920C2B-D356-4D01-9983-4DD615C0883F}"/>
+          </ac:graphicFrameMkLst>
+        </pc:graphicFrameChg>
+        <pc:graphicFrameChg chg="add del mod">
           <ac:chgData name="Sam Purle" userId="7ebcac23-73d8-4ece-8f0a-d1881ab999fd" providerId="ADAL" clId="{C5C781CB-DFC2-4A93-B9C3-F131FF478C41}" dt="2020-09-03T07:11:43.840" v="978" actId="478"/>
           <ac:graphicFrameMkLst>
             <pc:docMk/>
@@ -1029,8 +1011,8 @@
             <ac:graphicFrameMk id="7" creationId="{95BB17DC-05B5-45C6-AC89-57731A0D732E}"/>
           </ac:graphicFrameMkLst>
         </pc:graphicFrameChg>
-        <pc:graphicFrameChg chg="add mod">
-          <ac:chgData name="Sam Purle" userId="7ebcac23-73d8-4ece-8f0a-d1881ab999fd" providerId="ADAL" clId="{C5C781CB-DFC2-4A93-B9C3-F131FF478C41}" dt="2020-09-03T07:11:45.399" v="980" actId="22"/>
+        <pc:graphicFrameChg chg="add del mod">
+          <ac:chgData name="Sam Purle" userId="7ebcac23-73d8-4ece-8f0a-d1881ab999fd" providerId="ADAL" clId="{C5C781CB-DFC2-4A93-B9C3-F131FF478C41}" dt="2020-09-03T10:25:13.216" v="1652" actId="478"/>
           <ac:graphicFrameMkLst>
             <pc:docMk/>
             <pc:sldMk cId="1791334714" sldId="268"/>
@@ -1039,13 +1021,13 @@
         </pc:graphicFrameChg>
       </pc:sldChg>
       <pc:sldChg chg="addSp delSp modSp mod">
-        <pc:chgData name="Sam Purle" userId="7ebcac23-73d8-4ece-8f0a-d1881ab999fd" providerId="ADAL" clId="{C5C781CB-DFC2-4A93-B9C3-F131FF478C41}" dt="2020-09-03T07:23:33.318" v="1038" actId="27636"/>
+        <pc:chgData name="Sam Purle" userId="7ebcac23-73d8-4ece-8f0a-d1881ab999fd" providerId="ADAL" clId="{C5C781CB-DFC2-4A93-B9C3-F131FF478C41}" dt="2020-09-03T10:29:27.739" v="1738" actId="20577"/>
         <pc:sldMkLst>
           <pc:docMk/>
           <pc:sldMk cId="2254888481" sldId="269"/>
         </pc:sldMkLst>
         <pc:spChg chg="mod">
-          <ac:chgData name="Sam Purle" userId="7ebcac23-73d8-4ece-8f0a-d1881ab999fd" providerId="ADAL" clId="{C5C781CB-DFC2-4A93-B9C3-F131FF478C41}" dt="2020-09-03T07:23:33.318" v="1038" actId="27636"/>
+          <ac:chgData name="Sam Purle" userId="7ebcac23-73d8-4ece-8f0a-d1881ab999fd" providerId="ADAL" clId="{C5C781CB-DFC2-4A93-B9C3-F131FF478C41}" dt="2020-09-03T10:29:27.739" v="1738" actId="20577"/>
           <ac:spMkLst>
             <pc:docMk/>
             <pc:sldMk cId="2254888481" sldId="269"/>
@@ -1467,8 +1449,8 @@
           </ac:spMkLst>
         </pc:spChg>
       </pc:sldChg>
-      <pc:sldChg chg="modSp mod ord">
-        <pc:chgData name="Sam Purle" userId="7ebcac23-73d8-4ece-8f0a-d1881ab999fd" providerId="ADAL" clId="{C5C781CB-DFC2-4A93-B9C3-F131FF478C41}" dt="2020-09-02T16:49:31.516" v="950" actId="20577"/>
+      <pc:sldChg chg="addSp delSp modSp mod ord">
+        <pc:chgData name="Sam Purle" userId="7ebcac23-73d8-4ece-8f0a-d1881ab999fd" providerId="ADAL" clId="{C5C781CB-DFC2-4A93-B9C3-F131FF478C41}" dt="2020-09-03T08:27:49.754" v="1063" actId="1076"/>
         <pc:sldMkLst>
           <pc:docMk/>
           <pc:sldMk cId="2327640517" sldId="286"/>
@@ -1481,6 +1463,171 @@
             <ac:spMk id="3" creationId="{B833A752-3E64-4CE2-B731-8229300070CB}"/>
           </ac:spMkLst>
         </pc:spChg>
+        <pc:spChg chg="add del mod">
+          <ac:chgData name="Sam Purle" userId="7ebcac23-73d8-4ece-8f0a-d1881ab999fd" providerId="ADAL" clId="{C5C781CB-DFC2-4A93-B9C3-F131FF478C41}" dt="2020-09-03T08:27:40.882" v="1059"/>
+          <ac:spMkLst>
+            <pc:docMk/>
+            <pc:sldMk cId="2327640517" sldId="286"/>
+            <ac:spMk id="4" creationId="{3BD1254A-7EC0-437B-B091-041940B243A3}"/>
+          </ac:spMkLst>
+        </pc:spChg>
+        <pc:spChg chg="add mod">
+          <ac:chgData name="Sam Purle" userId="7ebcac23-73d8-4ece-8f0a-d1881ab999fd" providerId="ADAL" clId="{C5C781CB-DFC2-4A93-B9C3-F131FF478C41}" dt="2020-09-03T08:27:49.754" v="1063" actId="1076"/>
+          <ac:spMkLst>
+            <pc:docMk/>
+            <pc:sldMk cId="2327640517" sldId="286"/>
+            <ac:spMk id="5" creationId="{FA863BDB-44CF-4502-9B15-1AA81788ACBF}"/>
+          </ac:spMkLst>
+        </pc:spChg>
+      </pc:sldChg>
+      <pc:sldChg chg="new del">
+        <pc:chgData name="Sam Purle" userId="7ebcac23-73d8-4ece-8f0a-d1881ab999fd" providerId="ADAL" clId="{C5C781CB-DFC2-4A93-B9C3-F131FF478C41}" dt="2020-09-03T08:32:12.634" v="1065" actId="2696"/>
+        <pc:sldMkLst>
+          <pc:docMk/>
+          <pc:sldMk cId="1702644591" sldId="291"/>
+        </pc:sldMkLst>
+      </pc:sldChg>
+      <pc:sldChg chg="modSp new mod">
+        <pc:chgData name="Sam Purle" userId="7ebcac23-73d8-4ece-8f0a-d1881ab999fd" providerId="ADAL" clId="{C5C781CB-DFC2-4A93-B9C3-F131FF478C41}" dt="2020-09-03T10:25:12.738" v="1651" actId="20577"/>
+        <pc:sldMkLst>
+          <pc:docMk/>
+          <pc:sldMk cId="2604518583" sldId="291"/>
+        </pc:sldMkLst>
+        <pc:spChg chg="mod">
+          <ac:chgData name="Sam Purle" userId="7ebcac23-73d8-4ece-8f0a-d1881ab999fd" providerId="ADAL" clId="{C5C781CB-DFC2-4A93-B9C3-F131FF478C41}" dt="2020-09-03T08:32:24.639" v="1077" actId="20577"/>
+          <ac:spMkLst>
+            <pc:docMk/>
+            <pc:sldMk cId="2604518583" sldId="291"/>
+            <ac:spMk id="2" creationId="{A11B20CB-78B8-40E3-BE00-E896403725A9}"/>
+          </ac:spMkLst>
+        </pc:spChg>
+        <pc:spChg chg="mod">
+          <ac:chgData name="Sam Purle" userId="7ebcac23-73d8-4ece-8f0a-d1881ab999fd" providerId="ADAL" clId="{C5C781CB-DFC2-4A93-B9C3-F131FF478C41}" dt="2020-09-03T10:25:12.738" v="1651" actId="20577"/>
+          <ac:spMkLst>
+            <pc:docMk/>
+            <pc:sldMk cId="2604518583" sldId="291"/>
+            <ac:spMk id="3" creationId="{90B278C7-7AF3-4D30-9C4A-6D32A99F6EC4}"/>
+          </ac:spMkLst>
+        </pc:spChg>
+      </pc:sldChg>
+    </pc:docChg>
+  </pc:docChgLst>
+  <pc:docChgLst>
+    <pc:chgData name="Ankush Thobhani" userId="S::ankushthobhani@kubrickgroup.com::43e937d4-32e7-4300-8f7f-4bf8c13eccea" providerId="AD" clId="Web-{F2BC3823-7F76-FC7A-28AE-89F0884CD5C9}"/>
+    <pc:docChg chg="addSld modSld">
+      <pc:chgData name="Ankush Thobhani" userId="S::ankushthobhani@kubrickgroup.com::43e937d4-32e7-4300-8f7f-4bf8c13eccea" providerId="AD" clId="Web-{F2BC3823-7F76-FC7A-28AE-89F0884CD5C9}" dt="2020-09-02T16:15:50.581" v="668" actId="1076"/>
+      <pc:docMkLst>
+        <pc:docMk/>
+      </pc:docMkLst>
+      <pc:sldChg chg="modSp">
+        <pc:chgData name="Ankush Thobhani" userId="S::ankushthobhani@kubrickgroup.com::43e937d4-32e7-4300-8f7f-4bf8c13eccea" providerId="AD" clId="Web-{F2BC3823-7F76-FC7A-28AE-89F0884CD5C9}" dt="2020-09-02T15:57:55.389" v="1" actId="1076"/>
+        <pc:sldMkLst>
+          <pc:docMk/>
+          <pc:sldMk cId="745944237" sldId="272"/>
+        </pc:sldMkLst>
+        <pc:picChg chg="mod">
+          <ac:chgData name="Ankush Thobhani" userId="S::ankushthobhani@kubrickgroup.com::43e937d4-32e7-4300-8f7f-4bf8c13eccea" providerId="AD" clId="Web-{F2BC3823-7F76-FC7A-28AE-89F0884CD5C9}" dt="2020-09-02T15:57:55.389" v="1" actId="1076"/>
+          <ac:picMkLst>
+            <pc:docMk/>
+            <pc:sldMk cId="745944237" sldId="272"/>
+            <ac:picMk id="6" creationId="{4AE0DD0C-3AC7-40A7-9FFB-231BE2467C69}"/>
+          </ac:picMkLst>
+        </pc:picChg>
+      </pc:sldChg>
+      <pc:sldChg chg="addSp delSp modSp new">
+        <pc:chgData name="Ankush Thobhani" userId="S::ankushthobhani@kubrickgroup.com::43e937d4-32e7-4300-8f7f-4bf8c13eccea" providerId="AD" clId="Web-{F2BC3823-7F76-FC7A-28AE-89F0884CD5C9}" dt="2020-09-02T16:15:50.581" v="668" actId="1076"/>
+        <pc:sldMkLst>
+          <pc:docMk/>
+          <pc:sldMk cId="3781540792" sldId="275"/>
+        </pc:sldMkLst>
+        <pc:spChg chg="add del">
+          <ac:chgData name="Ankush Thobhani" userId="S::ankushthobhani@kubrickgroup.com::43e937d4-32e7-4300-8f7f-4bf8c13eccea" providerId="AD" clId="Web-{F2BC3823-7F76-FC7A-28AE-89F0884CD5C9}" dt="2020-09-02T16:03:20.739" v="18"/>
+          <ac:spMkLst>
+            <pc:docMk/>
+            <pc:sldMk cId="3781540792" sldId="275"/>
+            <ac:spMk id="2" creationId="{57CD88B9-EADB-4E5F-8EF1-7A1B8CEEDE18}"/>
+          </ac:spMkLst>
+        </pc:spChg>
+        <pc:spChg chg="mod">
+          <ac:chgData name="Ankush Thobhani" userId="S::ankushthobhani@kubrickgroup.com::43e937d4-32e7-4300-8f7f-4bf8c13eccea" providerId="AD" clId="Web-{F2BC3823-7F76-FC7A-28AE-89F0884CD5C9}" dt="2020-09-02T16:03:30.926" v="19"/>
+          <ac:spMkLst>
+            <pc:docMk/>
+            <pc:sldMk cId="3781540792" sldId="275"/>
+            <ac:spMk id="3" creationId="{F8B16476-4521-4B3D-8D19-F1C906521EA5}"/>
+          </ac:spMkLst>
+        </pc:spChg>
+        <pc:spChg chg="del">
+          <ac:chgData name="Ankush Thobhani" userId="S::ankushthobhani@kubrickgroup.com::43e937d4-32e7-4300-8f7f-4bf8c13eccea" providerId="AD" clId="Web-{F2BC3823-7F76-FC7A-28AE-89F0884CD5C9}" dt="2020-09-02T16:03:30.926" v="19"/>
+          <ac:spMkLst>
+            <pc:docMk/>
+            <pc:sldMk cId="3781540792" sldId="275"/>
+            <ac:spMk id="4" creationId="{7ABD943E-A513-473F-B54F-4EE8DC12C5B5}"/>
+          </ac:spMkLst>
+        </pc:spChg>
+        <pc:spChg chg="add del mod">
+          <ac:chgData name="Ankush Thobhani" userId="S::ankushthobhani@kubrickgroup.com::43e937d4-32e7-4300-8f7f-4bf8c13eccea" providerId="AD" clId="Web-{F2BC3823-7F76-FC7A-28AE-89F0884CD5C9}" dt="2020-09-02T16:14:37.502" v="656"/>
+          <ac:spMkLst>
+            <pc:docMk/>
+            <pc:sldMk cId="3781540792" sldId="275"/>
+            <ac:spMk id="10" creationId="{9B99118A-48B2-40E7-B98A-35B5209E1ADB}"/>
+          </ac:spMkLst>
+        </pc:spChg>
+        <pc:spChg chg="add mod">
+          <ac:chgData name="Ankush Thobhani" userId="S::ankushthobhani@kubrickgroup.com::43e937d4-32e7-4300-8f7f-4bf8c13eccea" providerId="AD" clId="Web-{F2BC3823-7F76-FC7A-28AE-89F0884CD5C9}" dt="2020-09-02T16:11:12.170" v="644" actId="20577"/>
+          <ac:spMkLst>
+            <pc:docMk/>
+            <pc:sldMk cId="3781540792" sldId="275"/>
+            <ac:spMk id="11" creationId="{EE9D6482-7AAD-45D6-8A16-7E6AE4A18854}"/>
+          </ac:spMkLst>
+        </pc:spChg>
+        <pc:spChg chg="add del mod">
+          <ac:chgData name="Ankush Thobhani" userId="S::ankushthobhani@kubrickgroup.com::43e937d4-32e7-4300-8f7f-4bf8c13eccea" providerId="AD" clId="Web-{F2BC3823-7F76-FC7A-28AE-89F0884CD5C9}" dt="2020-09-02T16:15:05.721" v="659"/>
+          <ac:spMkLst>
+            <pc:docMk/>
+            <pc:sldMk cId="3781540792" sldId="275"/>
+            <ac:spMk id="13" creationId="{7ACF57EA-E9FE-4237-8139-EDE1A6702FC9}"/>
+          </ac:spMkLst>
+        </pc:spChg>
+        <pc:picChg chg="add del mod ord modCrop">
+          <ac:chgData name="Ankush Thobhani" userId="S::ankushthobhani@kubrickgroup.com::43e937d4-32e7-4300-8f7f-4bf8c13eccea" providerId="AD" clId="Web-{F2BC3823-7F76-FC7A-28AE-89F0884CD5C9}" dt="2020-09-02T16:02:05.394" v="15"/>
+          <ac:picMkLst>
+            <pc:docMk/>
+            <pc:sldMk cId="3781540792" sldId="275"/>
+            <ac:picMk id="5" creationId="{6AEB323A-EF07-40DD-A1DE-3FCEAAD31AD1}"/>
+          </ac:picMkLst>
+        </pc:picChg>
+        <pc:picChg chg="add del mod ord modCrop">
+          <ac:chgData name="Ankush Thobhani" userId="S::ankushthobhani@kubrickgroup.com::43e937d4-32e7-4300-8f7f-4bf8c13eccea" providerId="AD" clId="Web-{F2BC3823-7F76-FC7A-28AE-89F0884CD5C9}" dt="2020-09-02T16:14:50.065" v="657"/>
+          <ac:picMkLst>
+            <pc:docMk/>
+            <pc:sldMk cId="3781540792" sldId="275"/>
+            <ac:picMk id="6" creationId="{F5319A7E-F464-4262-9853-EB727C7B056A}"/>
+          </ac:picMkLst>
+        </pc:picChg>
+        <pc:picChg chg="add mod">
+          <ac:chgData name="Ankush Thobhani" userId="S::ankushthobhani@kubrickgroup.com::43e937d4-32e7-4300-8f7f-4bf8c13eccea" providerId="AD" clId="Web-{F2BC3823-7F76-FC7A-28AE-89F0884CD5C9}" dt="2020-09-02T16:15:41.612" v="665" actId="1076"/>
+          <ac:picMkLst>
+            <pc:docMk/>
+            <pc:sldMk cId="3781540792" sldId="275"/>
+            <ac:picMk id="7" creationId="{72A5605B-C899-48BF-A068-49B82827E5A1}"/>
+          </ac:picMkLst>
+        </pc:picChg>
+        <pc:picChg chg="add mod">
+          <ac:chgData name="Ankush Thobhani" userId="S::ankushthobhani@kubrickgroup.com::43e937d4-32e7-4300-8f7f-4bf8c13eccea" providerId="AD" clId="Web-{F2BC3823-7F76-FC7A-28AE-89F0884CD5C9}" dt="2020-09-02T16:15:50.581" v="668" actId="1076"/>
+          <ac:picMkLst>
+            <pc:docMk/>
+            <pc:sldMk cId="3781540792" sldId="275"/>
+            <ac:picMk id="8" creationId="{26E85DFF-0DDF-4FC4-A540-1AF6E13FC9FF}"/>
+          </ac:picMkLst>
+        </pc:picChg>
+        <pc:picChg chg="add mod ord modCrop">
+          <ac:chgData name="Ankush Thobhani" userId="S::ankushthobhani@kubrickgroup.com::43e937d4-32e7-4300-8f7f-4bf8c13eccea" providerId="AD" clId="Web-{F2BC3823-7F76-FC7A-28AE-89F0884CD5C9}" dt="2020-09-02T16:15:48.238" v="667" actId="1076"/>
+          <ac:picMkLst>
+            <pc:docMk/>
+            <pc:sldMk cId="3781540792" sldId="275"/>
+            <ac:picMk id="14" creationId="{33E586CC-93D2-453D-99F1-873FE987556B}"/>
+          </ac:picMkLst>
+        </pc:picChg>
       </pc:sldChg>
     </pc:docChg>
   </pc:docChgLst>
@@ -1704,340 +1851,248 @@
     </pc:docChg>
   </pc:docChgLst>
   <pc:docChgLst>
-    <pc:chgData name="Adam Finchett" userId="S::adamfinchett@kubrickgroup.com::bee73f88-34b0-4fc5-bf0a-088a4d7a7aa5" providerId="AD" clId="Web-{DBBEED69-58F2-C21E-906B-EFDD4F37D644}"/>
+    <pc:chgData name="Ben Roche" userId="S::benroche@kubrickgroup.com::d3c4794b-a3cd-4f30-ad84-b1191a0ca024" providerId="AD" clId="Web-{7BEC3C20-2612-6EB7-FB5B-4EE04F690DB8}"/>
     <pc:docChg chg="addSld delSld modSld sldOrd">
-      <pc:chgData name="Adam Finchett" userId="S::adamfinchett@kubrickgroup.com::bee73f88-34b0-4fc5-bf0a-088a4d7a7aa5" providerId="AD" clId="Web-{DBBEED69-58F2-C21E-906B-EFDD4F37D644}" dt="2020-09-02T18:16:56.242" v="930" actId="20577"/>
+      <pc:chgData name="Ben Roche" userId="S::benroche@kubrickgroup.com::d3c4794b-a3cd-4f30-ad84-b1191a0ca024" providerId="AD" clId="Web-{7BEC3C20-2612-6EB7-FB5B-4EE04F690DB8}" dt="2020-09-02T16:47:27.254" v="779" actId="20577"/>
       <pc:docMkLst>
         <pc:docMk/>
       </pc:docMkLst>
-      <pc:sldChg chg="new del">
-        <pc:chgData name="Adam Finchett" userId="S::adamfinchett@kubrickgroup.com::bee73f88-34b0-4fc5-bf0a-088a4d7a7aa5" providerId="AD" clId="Web-{DBBEED69-58F2-C21E-906B-EFDD4F37D644}" dt="2020-09-02T15:57:27.372" v="1"/>
+      <pc:sldChg chg="addSp delSp modSp del ord modNotes">
+        <pc:chgData name="Ben Roche" userId="S::benroche@kubrickgroup.com::d3c4794b-a3cd-4f30-ad84-b1191a0ca024" providerId="AD" clId="Web-{7BEC3C20-2612-6EB7-FB5B-4EE04F690DB8}" dt="2020-09-02T16:29:40.399" v="235"/>
         <pc:sldMkLst>
           <pc:docMk/>
-          <pc:sldMk cId="327419802" sldId="274"/>
+          <pc:sldMk cId="499471363" sldId="263"/>
         </pc:sldMkLst>
+        <pc:spChg chg="add del">
+          <ac:chgData name="Ben Roche" userId="S::benroche@kubrickgroup.com::d3c4794b-a3cd-4f30-ad84-b1191a0ca024" providerId="AD" clId="Web-{7BEC3C20-2612-6EB7-FB5B-4EE04F690DB8}" dt="2020-09-02T16:06:51.474" v="1"/>
+          <ac:spMkLst>
+            <pc:docMk/>
+            <pc:sldMk cId="499471363" sldId="263"/>
+            <ac:spMk id="3" creationId="{7C28811E-28B7-47EE-8BB1-9EDB4C217434}"/>
+          </ac:spMkLst>
+        </pc:spChg>
+        <pc:picChg chg="add del mod ord">
+          <ac:chgData name="Ben Roche" userId="S::benroche@kubrickgroup.com::d3c4794b-a3cd-4f30-ad84-b1191a0ca024" providerId="AD" clId="Web-{7BEC3C20-2612-6EB7-FB5B-4EE04F690DB8}" dt="2020-09-02T16:06:51.474" v="1"/>
+          <ac:picMkLst>
+            <pc:docMk/>
+            <pc:sldMk cId="499471363" sldId="263"/>
+            <ac:picMk id="11" creationId="{97B47C46-507F-47C8-A411-47EBAC86E0F0}"/>
+          </ac:picMkLst>
+        </pc:picChg>
       </pc:sldChg>
-      <pc:sldChg chg="addSp delSp modSp new ord addAnim modAnim">
-        <pc:chgData name="Adam Finchett" userId="S::adamfinchett@kubrickgroup.com::bee73f88-34b0-4fc5-bf0a-088a4d7a7aa5" providerId="AD" clId="Web-{DBBEED69-58F2-C21E-906B-EFDD4F37D644}" dt="2020-09-02T16:12:18.363" v="534"/>
+      <pc:sldChg chg="modSp">
+        <pc:chgData name="Ben Roche" userId="S::benroche@kubrickgroup.com::d3c4794b-a3cd-4f30-ad84-b1191a0ca024" providerId="AD" clId="Web-{7BEC3C20-2612-6EB7-FB5B-4EE04F690DB8}" dt="2020-09-02T16:26:09.206" v="106" actId="1076"/>
         <pc:sldMkLst>
           <pc:docMk/>
-          <pc:sldMk cId="3137352047" sldId="274"/>
+          <pc:sldMk cId="534465788" sldId="265"/>
         </pc:sldMkLst>
-        <pc:spChg chg="del">
-          <ac:chgData name="Adam Finchett" userId="S::adamfinchett@kubrickgroup.com::bee73f88-34b0-4fc5-bf0a-088a4d7a7aa5" providerId="AD" clId="Web-{DBBEED69-58F2-C21E-906B-EFDD4F37D644}" dt="2020-09-02T15:57:36.919" v="3"/>
+        <pc:spChg chg="mod">
+          <ac:chgData name="Ben Roche" userId="S::benroche@kubrickgroup.com::d3c4794b-a3cd-4f30-ad84-b1191a0ca024" providerId="AD" clId="Web-{7BEC3C20-2612-6EB7-FB5B-4EE04F690DB8}" dt="2020-09-02T16:24:42.282" v="82" actId="14100"/>
           <ac:spMkLst>
             <pc:docMk/>
-            <pc:sldMk cId="3137352047" sldId="274"/>
-            <ac:spMk id="2" creationId="{69AF3E23-208C-4CB8-882F-E6253A61BEC4}"/>
+            <pc:sldMk cId="534465788" sldId="265"/>
+            <ac:spMk id="3" creationId="{DAFE1A62-3704-4309-9B0B-168AEF6B85DD}"/>
           </ac:spMkLst>
         </pc:spChg>
         <pc:spChg chg="mod">
-          <ac:chgData name="Adam Finchett" userId="S::adamfinchett@kubrickgroup.com::bee73f88-34b0-4fc5-bf0a-088a4d7a7aa5" providerId="AD" clId="Web-{DBBEED69-58F2-C21E-906B-EFDD4F37D644}" dt="2020-09-02T15:58:42.559" v="35" actId="20577"/>
+          <ac:chgData name="Ben Roche" userId="S::benroche@kubrickgroup.com::d3c4794b-a3cd-4f30-ad84-b1191a0ca024" providerId="AD" clId="Web-{7BEC3C20-2612-6EB7-FB5B-4EE04F690DB8}" dt="2020-09-02T16:25:49.768" v="99" actId="20577"/>
           <ac:spMkLst>
             <pc:docMk/>
-            <pc:sldMk cId="3137352047" sldId="274"/>
-            <ac:spMk id="3" creationId="{21C6E928-8BDA-48B8-BFBC-07F9B662D22C}"/>
+            <pc:sldMk cId="534465788" sldId="265"/>
+            <ac:spMk id="4" creationId="{E68FCA79-CCA9-42BE-9E26-72C726859CA2}"/>
           </ac:spMkLst>
         </pc:spChg>
-        <pc:spChg chg="del mod">
-          <ac:chgData name="Adam Finchett" userId="S::adamfinchett@kubrickgroup.com::bee73f88-34b0-4fc5-bf0a-088a4d7a7aa5" providerId="AD" clId="Web-{DBBEED69-58F2-C21E-906B-EFDD4F37D644}" dt="2020-09-02T16:00:15.933" v="187"/>
+        <pc:graphicFrameChg chg="mod">
+          <ac:chgData name="Ben Roche" userId="S::benroche@kubrickgroup.com::d3c4794b-a3cd-4f30-ad84-b1191a0ca024" providerId="AD" clId="Web-{7BEC3C20-2612-6EB7-FB5B-4EE04F690DB8}" dt="2020-09-02T16:26:01.440" v="104" actId="1076"/>
+          <ac:graphicFrameMkLst>
+            <pc:docMk/>
+            <pc:sldMk cId="534465788" sldId="265"/>
+            <ac:graphicFrameMk id="8" creationId="{8F1A864F-17DD-4FAF-8E48-E91B995B56EF}"/>
+          </ac:graphicFrameMkLst>
+        </pc:graphicFrameChg>
+        <pc:graphicFrameChg chg="mod">
+          <ac:chgData name="Ben Roche" userId="S::benroche@kubrickgroup.com::d3c4794b-a3cd-4f30-ad84-b1191a0ca024" providerId="AD" clId="Web-{7BEC3C20-2612-6EB7-FB5B-4EE04F690DB8}" dt="2020-09-02T16:26:09.206" v="106" actId="1076"/>
+          <ac:graphicFrameMkLst>
+            <pc:docMk/>
+            <pc:sldMk cId="534465788" sldId="265"/>
+            <ac:graphicFrameMk id="17" creationId="{E2DF0A34-94D7-4513-BF84-E47598CDFD0B}"/>
+          </ac:graphicFrameMkLst>
+        </pc:graphicFrameChg>
+      </pc:sldChg>
+      <pc:sldChg chg="addSp delSp modSp new">
+        <pc:chgData name="Ben Roche" userId="S::benroche@kubrickgroup.com::d3c4794b-a3cd-4f30-ad84-b1191a0ca024" providerId="AD" clId="Web-{7BEC3C20-2612-6EB7-FB5B-4EE04F690DB8}" dt="2020-09-02T16:09:49.650" v="5"/>
+        <pc:sldMkLst>
+          <pc:docMk/>
+          <pc:sldMk cId="3776364584" sldId="279"/>
+        </pc:sldMkLst>
+        <pc:spChg chg="del">
+          <ac:chgData name="Ben Roche" userId="S::benroche@kubrickgroup.com::d3c4794b-a3cd-4f30-ad84-b1191a0ca024" providerId="AD" clId="Web-{7BEC3C20-2612-6EB7-FB5B-4EE04F690DB8}" dt="2020-09-02T16:09:44.181" v="3"/>
           <ac:spMkLst>
             <pc:docMk/>
-            <pc:sldMk cId="3137352047" sldId="274"/>
-            <ac:spMk id="4" creationId="{D82AADC8-7E2A-4612-9904-FFA210272BF6}"/>
+            <pc:sldMk cId="3776364584" sldId="279"/>
+            <ac:spMk id="3" creationId="{7B640900-9F75-40A2-B9CD-2EDDA842428A}"/>
           </ac:spMkLst>
         </pc:spChg>
         <pc:spChg chg="add mod">
-          <ac:chgData name="Adam Finchett" userId="S::adamfinchett@kubrickgroup.com::bee73f88-34b0-4fc5-bf0a-088a4d7a7aa5" providerId="AD" clId="Web-{DBBEED69-58F2-C21E-906B-EFDD4F37D644}" dt="2020-09-02T16:00:11.714" v="184" actId="20577"/>
+          <ac:chgData name="Ben Roche" userId="S::benroche@kubrickgroup.com::d3c4794b-a3cd-4f30-ad84-b1191a0ca024" providerId="AD" clId="Web-{7BEC3C20-2612-6EB7-FB5B-4EE04F690DB8}" dt="2020-09-02T16:09:49.650" v="5"/>
           <ac:spMkLst>
             <pc:docMk/>
-            <pc:sldMk cId="3137352047" sldId="274"/>
-            <ac:spMk id="7" creationId="{9C964275-8C72-4500-8410-EF619406B609}"/>
+            <pc:sldMk cId="3776364584" sldId="279"/>
+            <ac:spMk id="6" creationId="{E43CD7D7-8D6E-4F70-8134-7520619B8AD1}"/>
           </ac:spMkLst>
         </pc:spChg>
-        <pc:spChg chg="add mod">
-          <ac:chgData name="Adam Finchett" userId="S::adamfinchett@kubrickgroup.com::bee73f88-34b0-4fc5-bf0a-088a4d7a7aa5" providerId="AD" clId="Web-{DBBEED69-58F2-C21E-906B-EFDD4F37D644}" dt="2020-09-02T16:10:54.895" v="532" actId="1076"/>
-          <ac:spMkLst>
-            <pc:docMk/>
-            <pc:sldMk cId="3137352047" sldId="274"/>
-            <ac:spMk id="8" creationId="{A78C7A3B-AFCF-4434-A5A7-0B47AE9E4CFA}"/>
-          </ac:spMkLst>
-        </pc:spChg>
-        <pc:picChg chg="add mod">
-          <ac:chgData name="Adam Finchett" userId="S::adamfinchett@kubrickgroup.com::bee73f88-34b0-4fc5-bf0a-088a4d7a7aa5" providerId="AD" clId="Web-{DBBEED69-58F2-C21E-906B-EFDD4F37D644}" dt="2020-09-02T16:10:49.786" v="531" actId="1076"/>
+        <pc:picChg chg="add del mod ord">
+          <ac:chgData name="Ben Roche" userId="S::benroche@kubrickgroup.com::d3c4794b-a3cd-4f30-ad84-b1191a0ca024" providerId="AD" clId="Web-{7BEC3C20-2612-6EB7-FB5B-4EE04F690DB8}" dt="2020-09-02T16:09:49.650" v="5"/>
           <ac:picMkLst>
             <pc:docMk/>
-            <pc:sldMk cId="3137352047" sldId="274"/>
-            <ac:picMk id="5" creationId="{63FA6670-ECE9-4C7B-AEAE-7DD335352D5E}"/>
+            <pc:sldMk cId="3776364584" sldId="279"/>
+            <ac:picMk id="4" creationId="{9ECB94EE-8D8A-4E5F-BDD9-558E8CA4460F}"/>
           </ac:picMkLst>
         </pc:picChg>
       </pc:sldChg>
-      <pc:sldChg chg="addSp delSp modSp new addAnim delAnim modAnim">
-        <pc:chgData name="Adam Finchett" userId="S::adamfinchett@kubrickgroup.com::bee73f88-34b0-4fc5-bf0a-088a4d7a7aa5" providerId="AD" clId="Web-{DBBEED69-58F2-C21E-906B-EFDD4F37D644}" dt="2020-09-02T16:41:33.580" v="900" actId="20577"/>
+      <pc:sldChg chg="addSp modSp modNotes">
+        <pc:chgData name="Ben Roche" userId="S::benroche@kubrickgroup.com::d3c4794b-a3cd-4f30-ad84-b1191a0ca024" providerId="AD" clId="Web-{7BEC3C20-2612-6EB7-FB5B-4EE04F690DB8}" dt="2020-09-02T16:29:32.571" v="233"/>
         <pc:sldMkLst>
           <pc:docMk/>
-          <pc:sldMk cId="3435751321" sldId="276"/>
+          <pc:sldMk cId="1850534403" sldId="282"/>
         </pc:sldMkLst>
-        <pc:spChg chg="del">
-          <ac:chgData name="Adam Finchett" userId="S::adamfinchett@kubrickgroup.com::bee73f88-34b0-4fc5-bf0a-088a4d7a7aa5" providerId="AD" clId="Web-{DBBEED69-58F2-C21E-906B-EFDD4F37D644}" dt="2020-09-02T16:01:10.182" v="190"/>
+        <pc:spChg chg="mod">
+          <ac:chgData name="Ben Roche" userId="S::benroche@kubrickgroup.com::d3c4794b-a3cd-4f30-ad84-b1191a0ca024" providerId="AD" clId="Web-{7BEC3C20-2612-6EB7-FB5B-4EE04F690DB8}" dt="2020-09-02T16:28:45.163" v="227" actId="20577"/>
           <ac:spMkLst>
             <pc:docMk/>
-            <pc:sldMk cId="3435751321" sldId="276"/>
-            <ac:spMk id="2" creationId="{0B2BEEB4-4AA1-47C0-8556-F1BE78A5E851}"/>
+            <pc:sldMk cId="1850534403" sldId="282"/>
+            <ac:spMk id="8" creationId="{765314C6-931F-4D83-8602-430E9A6E80DD}"/>
+          </ac:spMkLst>
+        </pc:spChg>
+        <pc:graphicFrameChg chg="add mod">
+          <ac:chgData name="Ben Roche" userId="S::benroche@kubrickgroup.com::d3c4794b-a3cd-4f30-ad84-b1191a0ca024" providerId="AD" clId="Web-{7BEC3C20-2612-6EB7-FB5B-4EE04F690DB8}" dt="2020-09-02T16:28:03.631" v="113" actId="1076"/>
+          <ac:graphicFrameMkLst>
+            <pc:docMk/>
+            <pc:sldMk cId="1850534403" sldId="282"/>
+            <ac:graphicFrameMk id="7" creationId="{7568E1C9-E783-4E0F-982A-9DCB53D5764B}"/>
+          </ac:graphicFrameMkLst>
+        </pc:graphicFrameChg>
+        <pc:graphicFrameChg chg="mod">
+          <ac:chgData name="Ben Roche" userId="S::benroche@kubrickgroup.com::d3c4794b-a3cd-4f30-ad84-b1191a0ca024" providerId="AD" clId="Web-{7BEC3C20-2612-6EB7-FB5B-4EE04F690DB8}" dt="2020-09-02T16:27:41.974" v="108" actId="14100"/>
+          <ac:graphicFrameMkLst>
+            <pc:docMk/>
+            <pc:sldMk cId="1850534403" sldId="282"/>
+            <ac:graphicFrameMk id="10" creationId="{30DA06FB-CFD6-469E-82FD-8F8DF804F348}"/>
+          </ac:graphicFrameMkLst>
+        </pc:graphicFrameChg>
+      </pc:sldChg>
+      <pc:sldChg chg="addSp modSp">
+        <pc:chgData name="Ben Roche" userId="S::benroche@kubrickgroup.com::d3c4794b-a3cd-4f30-ad84-b1191a0ca024" providerId="AD" clId="Web-{7BEC3C20-2612-6EB7-FB5B-4EE04F690DB8}" dt="2020-09-02T16:29:07.836" v="230" actId="14100"/>
+        <pc:sldMkLst>
+          <pc:docMk/>
+          <pc:sldMk cId="3039000643" sldId="283"/>
+        </pc:sldMkLst>
+        <pc:graphicFrameChg chg="add">
+          <ac:chgData name="Ben Roche" userId="S::benroche@kubrickgroup.com::d3c4794b-a3cd-4f30-ad84-b1191a0ca024" providerId="AD" clId="Web-{7BEC3C20-2612-6EB7-FB5B-4EE04F690DB8}" dt="2020-09-02T16:28:51.601" v="229"/>
+          <ac:graphicFrameMkLst>
+            <pc:docMk/>
+            <pc:sldMk cId="3039000643" sldId="283"/>
+            <ac:graphicFrameMk id="7" creationId="{9825B13E-AC68-40E0-8C61-264D4E962E6D}"/>
+          </ac:graphicFrameMkLst>
+        </pc:graphicFrameChg>
+        <pc:graphicFrameChg chg="mod">
+          <ac:chgData name="Ben Roche" userId="S::benroche@kubrickgroup.com::d3c4794b-a3cd-4f30-ad84-b1191a0ca024" providerId="AD" clId="Web-{7BEC3C20-2612-6EB7-FB5B-4EE04F690DB8}" dt="2020-09-02T16:29:07.836" v="230" actId="14100"/>
+          <ac:graphicFrameMkLst>
+            <pc:docMk/>
+            <pc:sldMk cId="3039000643" sldId="283"/>
+            <ac:graphicFrameMk id="8" creationId="{623C5292-052C-4536-AF6D-980F46DEB5DA}"/>
+          </ac:graphicFrameMkLst>
+        </pc:graphicFrameChg>
+      </pc:sldChg>
+      <pc:sldChg chg="addSp modSp new del">
+        <pc:chgData name="Ben Roche" userId="S::benroche@kubrickgroup.com::d3c4794b-a3cd-4f30-ad84-b1191a0ca024" providerId="AD" clId="Web-{7BEC3C20-2612-6EB7-FB5B-4EE04F690DB8}" dt="2020-09-02T16:29:37.039" v="234"/>
+        <pc:sldMkLst>
+          <pc:docMk/>
+          <pc:sldMk cId="1757973447" sldId="284"/>
+        </pc:sldMkLst>
+        <pc:spChg chg="mod">
+          <ac:chgData name="Ben Roche" userId="S::benroche@kubrickgroup.com::d3c4794b-a3cd-4f30-ad84-b1191a0ca024" providerId="AD" clId="Web-{7BEC3C20-2612-6EB7-FB5B-4EE04F690DB8}" dt="2020-09-02T16:21:21.308" v="79" actId="20577"/>
+          <ac:spMkLst>
+            <pc:docMk/>
+            <pc:sldMk cId="1757973447" sldId="284"/>
+            <ac:spMk id="2" creationId="{EEC1D6A6-B7A3-4F0D-8588-41C4AE7DB70C}"/>
+          </ac:spMkLst>
+        </pc:spChg>
+        <pc:graphicFrameChg chg="add mod modGraphic">
+          <ac:chgData name="Ben Roche" userId="S::benroche@kubrickgroup.com::d3c4794b-a3cd-4f30-ad84-b1191a0ca024" providerId="AD" clId="Web-{7BEC3C20-2612-6EB7-FB5B-4EE04F690DB8}" dt="2020-09-02T16:21:07.886" v="12" actId="1076"/>
+          <ac:graphicFrameMkLst>
+            <pc:docMk/>
+            <pc:sldMk cId="1757973447" sldId="284"/>
+            <ac:graphicFrameMk id="6" creationId="{BFEEA3F2-714C-427A-8841-70B743718DE1}"/>
+          </ac:graphicFrameMkLst>
+        </pc:graphicFrameChg>
+      </pc:sldChg>
+      <pc:sldChg chg="modSp new">
+        <pc:chgData name="Ben Roche" userId="S::benroche@kubrickgroup.com::d3c4794b-a3cd-4f30-ad84-b1191a0ca024" providerId="AD" clId="Web-{7BEC3C20-2612-6EB7-FB5B-4EE04F690DB8}" dt="2020-09-02T16:31:36.371" v="347" actId="20577"/>
+        <pc:sldMkLst>
+          <pc:docMk/>
+          <pc:sldMk cId="2327640517" sldId="286"/>
+        </pc:sldMkLst>
+        <pc:spChg chg="mod">
+          <ac:chgData name="Ben Roche" userId="S::benroche@kubrickgroup.com::d3c4794b-a3cd-4f30-ad84-b1191a0ca024" providerId="AD" clId="Web-{7BEC3C20-2612-6EB7-FB5B-4EE04F690DB8}" dt="2020-09-02T16:30:48.385" v="259" actId="20577"/>
+          <ac:spMkLst>
+            <pc:docMk/>
+            <pc:sldMk cId="2327640517" sldId="286"/>
+            <ac:spMk id="2" creationId="{553721EC-227F-4A94-B0B3-08D87DCC37BF}"/>
           </ac:spMkLst>
         </pc:spChg>
         <pc:spChg chg="mod">
-          <ac:chgData name="Adam Finchett" userId="S::adamfinchett@kubrickgroup.com::bee73f88-34b0-4fc5-bf0a-088a4d7a7aa5" providerId="AD" clId="Web-{DBBEED69-58F2-C21E-906B-EFDD4F37D644}" dt="2020-09-02T16:17:31.938" v="784"/>
+          <ac:chgData name="Ben Roche" userId="S::benroche@kubrickgroup.com::d3c4794b-a3cd-4f30-ad84-b1191a0ca024" providerId="AD" clId="Web-{7BEC3C20-2612-6EB7-FB5B-4EE04F690DB8}" dt="2020-09-02T16:31:36.371" v="347" actId="20577"/>
           <ac:spMkLst>
             <pc:docMk/>
-            <pc:sldMk cId="3435751321" sldId="276"/>
-            <ac:spMk id="3" creationId="{A6233D95-E895-4A97-85ED-5AD456983EBD}"/>
+            <pc:sldMk cId="2327640517" sldId="286"/>
+            <ac:spMk id="3" creationId="{B833A752-3E64-4CE2-B731-8229300070CB}"/>
           </ac:spMkLst>
         </pc:spChg>
-        <pc:spChg chg="del">
-          <ac:chgData name="Adam Finchett" userId="S::adamfinchett@kubrickgroup.com::bee73f88-34b0-4fc5-bf0a-088a4d7a7aa5" providerId="AD" clId="Web-{DBBEED69-58F2-C21E-906B-EFDD4F37D644}" dt="2020-09-02T16:03:00.228" v="214"/>
+      </pc:sldChg>
+      <pc:sldChg chg="new del">
+        <pc:chgData name="Ben Roche" userId="S::benroche@kubrickgroup.com::d3c4794b-a3cd-4f30-ad84-b1191a0ca024" providerId="AD" clId="Web-{7BEC3C20-2612-6EB7-FB5B-4EE04F690DB8}" dt="2020-09-02T16:30:36.697" v="237"/>
+        <pc:sldMkLst>
+          <pc:docMk/>
+          <pc:sldMk cId="3075349054" sldId="286"/>
+        </pc:sldMkLst>
+      </pc:sldChg>
+      <pc:sldChg chg="new del">
+        <pc:chgData name="Ben Roche" userId="S::benroche@kubrickgroup.com::d3c4794b-a3cd-4f30-ad84-b1191a0ca024" providerId="AD" clId="Web-{7BEC3C20-2612-6EB7-FB5B-4EE04F690DB8}" dt="2020-09-02T16:45:37.095" v="350"/>
+        <pc:sldMkLst>
+          <pc:docMk/>
+          <pc:sldMk cId="1213426480" sldId="287"/>
+        </pc:sldMkLst>
+      </pc:sldChg>
+      <pc:sldChg chg="modSp new">
+        <pc:chgData name="Ben Roche" userId="S::benroche@kubrickgroup.com::d3c4794b-a3cd-4f30-ad84-b1191a0ca024" providerId="AD" clId="Web-{7BEC3C20-2612-6EB7-FB5B-4EE04F690DB8}" dt="2020-09-02T16:47:27.254" v="778" actId="20577"/>
+        <pc:sldMkLst>
+          <pc:docMk/>
+          <pc:sldMk cId="2413188153" sldId="287"/>
+        </pc:sldMkLst>
+        <pc:spChg chg="mod">
+          <ac:chgData name="Ben Roche" userId="S::benroche@kubrickgroup.com::d3c4794b-a3cd-4f30-ad84-b1191a0ca024" providerId="AD" clId="Web-{7BEC3C20-2612-6EB7-FB5B-4EE04F690DB8}" dt="2020-09-02T16:45:47.954" v="364" actId="20577"/>
           <ac:spMkLst>
             <pc:docMk/>
-            <pc:sldMk cId="3435751321" sldId="276"/>
-            <ac:spMk id="4" creationId="{AA192742-BBB9-4953-AABC-179504228DD1}"/>
+            <pc:sldMk cId="2413188153" sldId="287"/>
+            <ac:spMk id="2" creationId="{58A94145-271F-4DF5-806E-756B4D527EB2}"/>
           </ac:spMkLst>
         </pc:spChg>
-        <pc:spChg chg="add del mod">
-          <ac:chgData name="Adam Finchett" userId="S::adamfinchett@kubrickgroup.com::bee73f88-34b0-4fc5-bf0a-088a4d7a7aa5" providerId="AD" clId="Web-{DBBEED69-58F2-C21E-906B-EFDD4F37D644}" dt="2020-09-02T16:05:20.555" v="506"/>
+        <pc:spChg chg="mod">
+          <ac:chgData name="Ben Roche" userId="S::benroche@kubrickgroup.com::d3c4794b-a3cd-4f30-ad84-b1191a0ca024" providerId="AD" clId="Web-{7BEC3C20-2612-6EB7-FB5B-4EE04F690DB8}" dt="2020-09-02T16:47:27.254" v="778" actId="20577"/>
           <ac:spMkLst>
             <pc:docMk/>
-            <pc:sldMk cId="3435751321" sldId="276"/>
-            <ac:spMk id="7" creationId="{487BD831-59C8-421D-A230-A06D9C770B0D}"/>
+            <pc:sldMk cId="2413188153" sldId="287"/>
+            <ac:spMk id="3" creationId="{30E81679-AFC8-469E-B744-EB59EEEABBB3}"/>
           </ac:spMkLst>
         </pc:spChg>
-        <pc:spChg chg="add mod ord">
-          <ac:chgData name="Adam Finchett" userId="S::adamfinchett@kubrickgroup.com::bee73f88-34b0-4fc5-bf0a-088a4d7a7aa5" providerId="AD" clId="Web-{DBBEED69-58F2-C21E-906B-EFDD4F37D644}" dt="2020-09-02T16:41:33.580" v="900" actId="20577"/>
-          <ac:spMkLst>
-            <pc:docMk/>
-            <pc:sldMk cId="3435751321" sldId="276"/>
-            <ac:spMk id="9" creationId="{3BE589BB-831D-4014-8C64-7E0C8743ACE9}"/>
-          </ac:spMkLst>
-        </pc:spChg>
-        <pc:spChg chg="add del mod">
-          <ac:chgData name="Adam Finchett" userId="S::adamfinchett@kubrickgroup.com::bee73f88-34b0-4fc5-bf0a-088a4d7a7aa5" providerId="AD" clId="Web-{DBBEED69-58F2-C21E-906B-EFDD4F37D644}" dt="2020-09-02T16:21:35.170" v="798"/>
-          <ac:spMkLst>
-            <pc:docMk/>
-            <pc:sldMk cId="3435751321" sldId="276"/>
-            <ac:spMk id="10" creationId="{F3329A4F-B45A-4D37-8688-C0C8BFF310BF}"/>
-          </ac:spMkLst>
-        </pc:spChg>
-        <pc:picChg chg="add mod ord">
-          <ac:chgData name="Adam Finchett" userId="S::adamfinchett@kubrickgroup.com::bee73f88-34b0-4fc5-bf0a-088a4d7a7aa5" providerId="AD" clId="Web-{DBBEED69-58F2-C21E-906B-EFDD4F37D644}" dt="2020-09-02T16:41:07.471" v="833" actId="1076"/>
-          <ac:picMkLst>
-            <pc:docMk/>
-            <pc:sldMk cId="3435751321" sldId="276"/>
-            <ac:picMk id="5" creationId="{BBD3AA94-AB77-4E7F-A7A8-314197D1AA7E}"/>
-          </ac:picMkLst>
-        </pc:picChg>
-      </pc:sldChg>
-      <pc:sldChg chg="addSp delSp modSp add replId addAnim modAnim">
-        <pc:chgData name="Adam Finchett" userId="S::adamfinchett@kubrickgroup.com::bee73f88-34b0-4fc5-bf0a-088a4d7a7aa5" providerId="AD" clId="Web-{DBBEED69-58F2-C21E-906B-EFDD4F37D644}" dt="2020-09-02T16:34:38.412" v="828"/>
-        <pc:sldMkLst>
-          <pc:docMk/>
-          <pc:sldMk cId="2540201401" sldId="277"/>
-        </pc:sldMkLst>
-        <pc:spChg chg="add del mod">
-          <ac:chgData name="Adam Finchett" userId="S::adamfinchett@kubrickgroup.com::bee73f88-34b0-4fc5-bf0a-088a4d7a7aa5" providerId="AD" clId="Web-{DBBEED69-58F2-C21E-906B-EFDD4F37D644}" dt="2020-09-02T16:04:03.899" v="351"/>
-          <ac:spMkLst>
-            <pc:docMk/>
-            <pc:sldMk cId="2540201401" sldId="277"/>
-            <ac:spMk id="2" creationId="{750041A3-FB7E-4312-BFE2-2BE3E1B1DCDF}"/>
-          </ac:spMkLst>
-        </pc:spChg>
-        <pc:spChg chg="del">
-          <ac:chgData name="Adam Finchett" userId="S::adamfinchett@kubrickgroup.com::bee73f88-34b0-4fc5-bf0a-088a4d7a7aa5" providerId="AD" clId="Web-{DBBEED69-58F2-C21E-906B-EFDD4F37D644}" dt="2020-09-02T16:04:01.931" v="350"/>
-          <ac:spMkLst>
-            <pc:docMk/>
-            <pc:sldMk cId="2540201401" sldId="277"/>
-            <ac:spMk id="4" creationId="{AA192742-BBB9-4953-AABC-179504228DD1}"/>
-          </ac:spMkLst>
-        </pc:spChg>
-        <pc:spChg chg="add mod">
-          <ac:chgData name="Adam Finchett" userId="S::adamfinchett@kubrickgroup.com::bee73f88-34b0-4fc5-bf0a-088a4d7a7aa5" providerId="AD" clId="Web-{DBBEED69-58F2-C21E-906B-EFDD4F37D644}" dt="2020-09-02T16:05:09.352" v="503" actId="20577"/>
-          <ac:spMkLst>
-            <pc:docMk/>
-            <pc:sldMk cId="2540201401" sldId="277"/>
-            <ac:spMk id="7" creationId="{BB7A3535-C397-4531-9F05-BF002EE1920E}"/>
-          </ac:spMkLst>
-        </pc:spChg>
-        <pc:spChg chg="add mod ord">
-          <ac:chgData name="Adam Finchett" userId="S::adamfinchett@kubrickgroup.com::bee73f88-34b0-4fc5-bf0a-088a4d7a7aa5" providerId="AD" clId="Web-{DBBEED69-58F2-C21E-906B-EFDD4F37D644}" dt="2020-09-02T16:34:38.412" v="828"/>
-          <ac:spMkLst>
-            <pc:docMk/>
-            <pc:sldMk cId="2540201401" sldId="277"/>
-            <ac:spMk id="12" creationId="{1D02F254-0BD4-4E73-B9A1-D1846CBAF2CA}"/>
-          </ac:spMkLst>
-        </pc:spChg>
-        <pc:graphicFrameChg chg="add mod">
-          <ac:chgData name="Adam Finchett" userId="S::adamfinchett@kubrickgroup.com::bee73f88-34b0-4fc5-bf0a-088a4d7a7aa5" providerId="AD" clId="Web-{DBBEED69-58F2-C21E-906B-EFDD4F37D644}" dt="2020-09-02T16:07:56.585" v="519" actId="1076"/>
-          <ac:graphicFrameMkLst>
-            <pc:docMk/>
-            <pc:sldMk cId="2540201401" sldId="277"/>
-            <ac:graphicFrameMk id="9" creationId="{D37D8DDA-98F6-4C33-8077-7DF80991C5EA}"/>
-          </ac:graphicFrameMkLst>
-        </pc:graphicFrameChg>
-        <pc:picChg chg="add mod">
-          <ac:chgData name="Adam Finchett" userId="S::adamfinchett@kubrickgroup.com::bee73f88-34b0-4fc5-bf0a-088a4d7a7aa5" providerId="AD" clId="Web-{DBBEED69-58F2-C21E-906B-EFDD4F37D644}" dt="2020-09-02T16:34:32.428" v="827" actId="1076"/>
-          <ac:picMkLst>
-            <pc:docMk/>
-            <pc:sldMk cId="2540201401" sldId="277"/>
-            <ac:picMk id="10" creationId="{1DE1B867-A348-43D9-A18A-4145E240C070}"/>
-          </ac:picMkLst>
-        </pc:picChg>
-        <pc:picChg chg="add del mod">
-          <ac:chgData name="Adam Finchett" userId="S::adamfinchett@kubrickgroup.com::bee73f88-34b0-4fc5-bf0a-088a4d7a7aa5" providerId="AD" clId="Web-{DBBEED69-58F2-C21E-906B-EFDD4F37D644}" dt="2020-09-02T16:33:17.460" v="801"/>
-          <ac:picMkLst>
-            <pc:docMk/>
-            <pc:sldMk cId="2540201401" sldId="277"/>
-            <ac:picMk id="11" creationId="{3E546771-D0A5-4C9F-AE46-AAB5F036C2AC}"/>
-          </ac:picMkLst>
-        </pc:picChg>
-      </pc:sldChg>
-      <pc:sldChg chg="addSp delSp modSp new mod modClrScheme chgLayout">
-        <pc:chgData name="Adam Finchett" userId="S::adamfinchett@kubrickgroup.com::bee73f88-34b0-4fc5-bf0a-088a4d7a7aa5" providerId="AD" clId="Web-{DBBEED69-58F2-C21E-906B-EFDD4F37D644}" dt="2020-09-02T18:16:55.241" v="928" actId="20577"/>
-        <pc:sldMkLst>
-          <pc:docMk/>
-          <pc:sldMk cId="3343809503" sldId="280"/>
-        </pc:sldMkLst>
-        <pc:spChg chg="del">
-          <ac:chgData name="Adam Finchett" userId="S::adamfinchett@kubrickgroup.com::bee73f88-34b0-4fc5-bf0a-088a4d7a7aa5" providerId="AD" clId="Web-{DBBEED69-58F2-C21E-906B-EFDD4F37D644}" dt="2020-09-02T16:14:14.940" v="538"/>
-          <ac:spMkLst>
-            <pc:docMk/>
-            <pc:sldMk cId="3343809503" sldId="280"/>
-            <ac:spMk id="2" creationId="{8CE98AAC-FD73-433D-AA0D-715356E82C05}"/>
-          </ac:spMkLst>
-        </pc:spChg>
-        <pc:spChg chg="del">
-          <ac:chgData name="Adam Finchett" userId="S::adamfinchett@kubrickgroup.com::bee73f88-34b0-4fc5-bf0a-088a4d7a7aa5" providerId="AD" clId="Web-{DBBEED69-58F2-C21E-906B-EFDD4F37D644}" dt="2020-09-02T16:14:26.581" v="540"/>
-          <ac:spMkLst>
-            <pc:docMk/>
-            <pc:sldMk cId="3343809503" sldId="280"/>
-            <ac:spMk id="3" creationId="{5776770D-A7EA-41D4-994C-2466B8F804CD}"/>
-          </ac:spMkLst>
-        </pc:spChg>
-        <pc:spChg chg="del">
-          <ac:chgData name="Adam Finchett" userId="S::adamfinchett@kubrickgroup.com::bee73f88-34b0-4fc5-bf0a-088a4d7a7aa5" providerId="AD" clId="Web-{DBBEED69-58F2-C21E-906B-EFDD4F37D644}" dt="2020-09-02T16:14:26.581" v="540"/>
-          <ac:spMkLst>
-            <pc:docMk/>
-            <pc:sldMk cId="3343809503" sldId="280"/>
-            <ac:spMk id="4" creationId="{E23A0EC8-3F13-4060-8913-68EBDD2ABF52}"/>
-          </ac:spMkLst>
-        </pc:spChg>
-        <pc:spChg chg="add mod">
-          <ac:chgData name="Adam Finchett" userId="S::adamfinchett@kubrickgroup.com::bee73f88-34b0-4fc5-bf0a-088a4d7a7aa5" providerId="AD" clId="Web-{DBBEED69-58F2-C21E-906B-EFDD4F37D644}" dt="2020-09-02T18:16:55.241" v="928" actId="20577"/>
-          <ac:spMkLst>
-            <pc:docMk/>
-            <pc:sldMk cId="3343809503" sldId="280"/>
-            <ac:spMk id="7" creationId="{EAF88C8E-054D-4BBD-8B37-1F119D046DD5}"/>
-          </ac:spMkLst>
-        </pc:spChg>
-        <pc:spChg chg="add mod">
-          <ac:chgData name="Adam Finchett" userId="S::adamfinchett@kubrickgroup.com::bee73f88-34b0-4fc5-bf0a-088a4d7a7aa5" providerId="AD" clId="Web-{DBBEED69-58F2-C21E-906B-EFDD4F37D644}" dt="2020-09-02T18:16:26.007" v="917"/>
-          <ac:spMkLst>
-            <pc:docMk/>
-            <pc:sldMk cId="3343809503" sldId="280"/>
-            <ac:spMk id="11" creationId="{DE1EAB93-BF49-4CA1-B9B7-1B511E065C63}"/>
-          </ac:spMkLst>
-        </pc:spChg>
-        <pc:spChg chg="add del mod">
-          <ac:chgData name="Adam Finchett" userId="S::adamfinchett@kubrickgroup.com::bee73f88-34b0-4fc5-bf0a-088a4d7a7aa5" providerId="AD" clId="Web-{DBBEED69-58F2-C21E-906B-EFDD4F37D644}" dt="2020-09-02T16:16:08.861" v="585"/>
-          <ac:spMkLst>
-            <pc:docMk/>
-            <pc:sldMk cId="3343809503" sldId="280"/>
-            <ac:spMk id="13" creationId="{8DDC98A1-210E-4C8B-9897-B39F83E391E5}"/>
-          </ac:spMkLst>
-        </pc:spChg>
-        <pc:graphicFrameChg chg="add del mod modGraphic">
-          <ac:chgData name="Adam Finchett" userId="S::adamfinchett@kubrickgroup.com::bee73f88-34b0-4fc5-bf0a-088a4d7a7aa5" providerId="AD" clId="Web-{DBBEED69-58F2-C21E-906B-EFDD4F37D644}" dt="2020-09-02T18:16:12.601" v="915"/>
-          <ac:graphicFrameMkLst>
-            <pc:docMk/>
-            <pc:sldMk cId="3343809503" sldId="280"/>
-            <ac:graphicFrameMk id="6" creationId="{8B07DE16-CBB9-4504-A79B-00D9D33EDA23}"/>
-          </ac:graphicFrameMkLst>
-        </pc:graphicFrameChg>
-        <pc:picChg chg="add mod ord">
-          <ac:chgData name="Adam Finchett" userId="S::adamfinchett@kubrickgroup.com::bee73f88-34b0-4fc5-bf0a-088a4d7a7aa5" providerId="AD" clId="Web-{DBBEED69-58F2-C21E-906B-EFDD4F37D644}" dt="2020-09-02T18:16:26.007" v="917"/>
-          <ac:picMkLst>
-            <pc:docMk/>
-            <pc:sldMk cId="3343809503" sldId="280"/>
-            <ac:picMk id="2" creationId="{A600B777-890D-4BB1-B0BF-045295415C4B}"/>
-          </ac:picMkLst>
-        </pc:picChg>
-      </pc:sldChg>
-      <pc:sldChg chg="addSp delSp modSp add mod ord replId modClrScheme chgLayout">
-        <pc:chgData name="Adam Finchett" userId="S::adamfinchett@kubrickgroup.com::bee73f88-34b0-4fc5-bf0a-088a4d7a7aa5" providerId="AD" clId="Web-{DBBEED69-58F2-C21E-906B-EFDD4F37D644}" dt="2020-09-02T16:54:23.994" v="912" actId="1076"/>
-        <pc:sldMkLst>
-          <pc:docMk/>
-          <pc:sldMk cId="1512080718" sldId="281"/>
-        </pc:sldMkLst>
-        <pc:spChg chg="add mod">
-          <ac:chgData name="Adam Finchett" userId="S::adamfinchett@kubrickgroup.com::bee73f88-34b0-4fc5-bf0a-088a4d7a7aa5" providerId="AD" clId="Web-{DBBEED69-58F2-C21E-906B-EFDD4F37D644}" dt="2020-09-02T16:17:13.938" v="783"/>
-          <ac:spMkLst>
-            <pc:docMk/>
-            <pc:sldMk cId="1512080718" sldId="281"/>
-            <ac:spMk id="3" creationId="{CEBF25F5-4C56-4F07-A7F5-F1FDB496EAC0}"/>
-          </ac:spMkLst>
-        </pc:spChg>
-        <pc:spChg chg="mod ord">
-          <ac:chgData name="Adam Finchett" userId="S::adamfinchett@kubrickgroup.com::bee73f88-34b0-4fc5-bf0a-088a4d7a7aa5" providerId="AD" clId="Web-{DBBEED69-58F2-C21E-906B-EFDD4F37D644}" dt="2020-09-02T16:15:48.111" v="581"/>
-          <ac:spMkLst>
-            <pc:docMk/>
-            <pc:sldMk cId="1512080718" sldId="281"/>
-            <ac:spMk id="11" creationId="{DE1EAB93-BF49-4CA1-B9B7-1B511E065C63}"/>
-          </ac:spMkLst>
-        </pc:spChg>
-        <pc:spChg chg="del">
-          <ac:chgData name="Adam Finchett" userId="S::adamfinchett@kubrickgroup.com::bee73f88-34b0-4fc5-bf0a-088a4d7a7aa5" providerId="AD" clId="Web-{DBBEED69-58F2-C21E-906B-EFDD4F37D644}" dt="2020-09-02T16:15:48.111" v="581"/>
-          <ac:spMkLst>
-            <pc:docMk/>
-            <pc:sldMk cId="1512080718" sldId="281"/>
-            <ac:spMk id="13" creationId="{8DDC98A1-210E-4C8B-9897-B39F83E391E5}"/>
-          </ac:spMkLst>
-        </pc:spChg>
-        <pc:spChg chg="add del mod">
-          <ac:chgData name="Adam Finchett" userId="S::adamfinchett@kubrickgroup.com::bee73f88-34b0-4fc5-bf0a-088a4d7a7aa5" providerId="AD" clId="Web-{DBBEED69-58F2-C21E-906B-EFDD4F37D644}" dt="2020-09-02T16:17:13.159" v="782"/>
-          <ac:spMkLst>
-            <pc:docMk/>
-            <pc:sldMk cId="1512080718" sldId="281"/>
-            <ac:spMk id="18" creationId="{24962F50-6763-4153-9F66-75CA55E7A867}"/>
-          </ac:spMkLst>
-        </pc:spChg>
-        <pc:graphicFrameChg chg="del">
-          <ac:chgData name="Adam Finchett" userId="S::adamfinchett@kubrickgroup.com::bee73f88-34b0-4fc5-bf0a-088a4d7a7aa5" providerId="AD" clId="Web-{DBBEED69-58F2-C21E-906B-EFDD4F37D644}" dt="2020-09-02T16:15:23.486" v="578"/>
-          <ac:graphicFrameMkLst>
-            <pc:docMk/>
-            <pc:sldMk cId="1512080718" sldId="281"/>
-            <ac:graphicFrameMk id="6" creationId="{8B07DE16-CBB9-4504-A79B-00D9D33EDA23}"/>
-          </ac:graphicFrameMkLst>
-        </pc:graphicFrameChg>
-        <pc:picChg chg="add mod">
-          <ac:chgData name="Adam Finchett" userId="S::adamfinchett@kubrickgroup.com::bee73f88-34b0-4fc5-bf0a-088a4d7a7aa5" providerId="AD" clId="Web-{DBBEED69-58F2-C21E-906B-EFDD4F37D644}" dt="2020-09-02T16:54:13.525" v="905" actId="1076"/>
-          <ac:picMkLst>
-            <pc:docMk/>
-            <pc:sldMk cId="1512080718" sldId="281"/>
-            <ac:picMk id="2" creationId="{374786F6-1314-432B-B840-FDFA85E9B246}"/>
-          </ac:picMkLst>
-        </pc:picChg>
-        <pc:picChg chg="add mod">
-          <ac:chgData name="Adam Finchett" userId="S::adamfinchett@kubrickgroup.com::bee73f88-34b0-4fc5-bf0a-088a4d7a7aa5" providerId="AD" clId="Web-{DBBEED69-58F2-C21E-906B-EFDD4F37D644}" dt="2020-09-02T16:54:23.994" v="912" actId="1076"/>
-          <ac:picMkLst>
-            <pc:docMk/>
-            <pc:sldMk cId="1512080718" sldId="281"/>
-            <ac:picMk id="4" creationId="{CD80D81C-4432-4DF7-8086-6BEA00998AD2}"/>
-          </ac:picMkLst>
-        </pc:picChg>
       </pc:sldChg>
     </pc:docChg>
   </pc:docChgLst>
   <pc:docChgLst>
     <pc:chgData name="Ben Roche" userId="S::benroche@kubrickgroup.com::d3c4794b-a3cd-4f30-ad84-b1191a0ca024" providerId="AD" clId="Web-{DFC8CA24-8D93-B6CF-C38A-3BC120D1CD82}"/>
-    <pc:docChg chg="modSld">
-      <pc:chgData name="Ben Roche" userId="S::benroche@kubrickgroup.com::d3c4794b-a3cd-4f30-ad84-b1191a0ca024" providerId="AD" clId="Web-{DFC8CA24-8D93-B6CF-C38A-3BC120D1CD82}" dt="2020-09-03T08:24:20.193" v="1444"/>
+    <pc:docChg chg="modSld sldOrd">
+      <pc:chgData name="Ben Roche" userId="S::benroche@kubrickgroup.com::d3c4794b-a3cd-4f30-ad84-b1191a0ca024" providerId="AD" clId="Web-{DFC8CA24-8D93-B6CF-C38A-3BC120D1CD82}" dt="2020-09-03T10:42:06.389" v="1508"/>
       <pc:docMkLst>
         <pc:docMk/>
       </pc:docMkLst>
@@ -2064,24 +2119,63 @@
         </pc:sldMkLst>
       </pc:sldChg>
       <pc:sldChg chg="modNotes">
-        <pc:chgData name="Ben Roche" userId="S::benroche@kubrickgroup.com::d3c4794b-a3cd-4f30-ad84-b1191a0ca024" providerId="AD" clId="Web-{DFC8CA24-8D93-B6CF-C38A-3BC120D1CD82}" dt="2020-09-03T08:24:20.193" v="1444"/>
+        <pc:chgData name="Ben Roche" userId="S::benroche@kubrickgroup.com::d3c4794b-a3cd-4f30-ad84-b1191a0ca024" providerId="AD" clId="Web-{DFC8CA24-8D93-B6CF-C38A-3BC120D1CD82}" dt="2020-09-03T10:42:06.389" v="1508"/>
         <pc:sldMkLst>
           <pc:docMk/>
           <pc:sldMk cId="2327640517" sldId="286"/>
         </pc:sldMkLst>
       </pc:sldChg>
       <pc:sldChg chg="modSp modNotes">
-        <pc:chgData name="Ben Roche" userId="S::benroche@kubrickgroup.com::d3c4794b-a3cd-4f30-ad84-b1191a0ca024" providerId="AD" clId="Web-{DFC8CA24-8D93-B6CF-C38A-3BC120D1CD82}" dt="2020-09-03T08:03:36.016" v="1251"/>
+        <pc:chgData name="Ben Roche" userId="S::benroche@kubrickgroup.com::d3c4794b-a3cd-4f30-ad84-b1191a0ca024" providerId="AD" clId="Web-{DFC8CA24-8D93-B6CF-C38A-3BC120D1CD82}" dt="2020-09-03T10:38:58.593" v="1480" actId="1076"/>
         <pc:sldMkLst>
           <pc:docMk/>
           <pc:sldMk cId="1646059020" sldId="289"/>
         </pc:sldMkLst>
         <pc:spChg chg="mod">
-          <ac:chgData name="Ben Roche" userId="S::benroche@kubrickgroup.com::d3c4794b-a3cd-4f30-ad84-b1191a0ca024" providerId="AD" clId="Web-{DFC8CA24-8D93-B6CF-C38A-3BC120D1CD82}" dt="2020-09-03T08:00:42.143" v="1248" actId="1076"/>
+          <ac:chgData name="Ben Roche" userId="S::benroche@kubrickgroup.com::d3c4794b-a3cd-4f30-ad84-b1191a0ca024" providerId="AD" clId="Web-{DFC8CA24-8D93-B6CF-C38A-3BC120D1CD82}" dt="2020-09-03T10:38:58.593" v="1480" actId="1076"/>
           <ac:spMkLst>
             <pc:docMk/>
             <pc:sldMk cId="1646059020" sldId="289"/>
             <ac:spMk id="4" creationId="{04D98D3E-5574-496A-AC98-70D2EB735EE0}"/>
+          </ac:spMkLst>
+        </pc:spChg>
+      </pc:sldChg>
+      <pc:sldChg chg="modSp ord">
+        <pc:chgData name="Ben Roche" userId="S::benroche@kubrickgroup.com::d3c4794b-a3cd-4f30-ad84-b1191a0ca024" providerId="AD" clId="Web-{DFC8CA24-8D93-B6CF-C38A-3BC120D1CD82}" dt="2020-09-03T10:39:45.140" v="1497" actId="20577"/>
+        <pc:sldMkLst>
+          <pc:docMk/>
+          <pc:sldMk cId="2604518583" sldId="291"/>
+        </pc:sldMkLst>
+        <pc:spChg chg="mod">
+          <ac:chgData name="Ben Roche" userId="S::benroche@kubrickgroup.com::d3c4794b-a3cd-4f30-ad84-b1191a0ca024" providerId="AD" clId="Web-{DFC8CA24-8D93-B6CF-C38A-3BC120D1CD82}" dt="2020-09-03T10:39:45.140" v="1497" actId="20577"/>
+          <ac:spMkLst>
+            <pc:docMk/>
+            <pc:sldMk cId="2604518583" sldId="291"/>
+            <ac:spMk id="3" creationId="{90B278C7-7AF3-4D30-9C4A-6D32A99F6EC4}"/>
+          </ac:spMkLst>
+        </pc:spChg>
+      </pc:sldChg>
+    </pc:docChg>
+  </pc:docChgLst>
+  <pc:docChgLst>
+    <pc:chgData name="Jordan Keane" userId="S::jordankeane@kubrickgroup.com::7daef36b-84de-441f-88b0-4a92a6815ff4" providerId="AD" clId="Web-{6F60F545-A5B3-CB85-40EB-76A9BFFE62B3}"/>
+    <pc:docChg chg="modSld">
+      <pc:chgData name="Jordan Keane" userId="S::jordankeane@kubrickgroup.com::7daef36b-84de-441f-88b0-4a92a6815ff4" providerId="AD" clId="Web-{6F60F545-A5B3-CB85-40EB-76A9BFFE62B3}" dt="2020-09-03T07:28:35.673" v="8" actId="14100"/>
+      <pc:docMkLst>
+        <pc:docMk/>
+      </pc:docMkLst>
+      <pc:sldChg chg="modSp">
+        <pc:chgData name="Jordan Keane" userId="S::jordankeane@kubrickgroup.com::7daef36b-84de-441f-88b0-4a92a6815ff4" providerId="AD" clId="Web-{6F60F545-A5B3-CB85-40EB-76A9BFFE62B3}" dt="2020-09-03T07:28:35.673" v="8" actId="14100"/>
+        <pc:sldMkLst>
+          <pc:docMk/>
+          <pc:sldMk cId="3909834316" sldId="285"/>
+        </pc:sldMkLst>
+        <pc:spChg chg="mod">
+          <ac:chgData name="Jordan Keane" userId="S::jordankeane@kubrickgroup.com::7daef36b-84de-441f-88b0-4a92a6815ff4" providerId="AD" clId="Web-{6F60F545-A5B3-CB85-40EB-76A9BFFE62B3}" dt="2020-09-03T07:28:35.673" v="8" actId="14100"/>
+          <ac:spMkLst>
+            <pc:docMk/>
+            <pc:sldMk cId="3909834316" sldId="285"/>
+            <ac:spMk id="2" creationId="{C124040E-2372-4D25-B851-0CBD623A5DF7}"/>
           </ac:spMkLst>
         </pc:spChg>
       </pc:sldChg>
@@ -3195,7 +3289,15 @@
             </a:pPr>
             <a:r>
               <a:rPr lang="en-US"/>
-              <a:t>Average Transaction Value by Bank - IN</a:t>
+              <a:t>Sum</a:t>
+            </a:r>
+            <a:r>
+              <a:rPr lang="en-US" baseline="0"/>
+              <a:t> of</a:t>
+            </a:r>
+            <a:r>
+              <a:rPr lang="en-US"/>
+              <a:t> Transaction Value by Bank - IN</a:t>
             </a:r>
           </a:p>
         </c:rich>
@@ -3245,34 +3347,34 @@
               <c:strCache>
                 <c:ptCount val="10"/>
                 <c:pt idx="0">
-                  <c:v>AB</c:v>
+                  <c:v>MN</c:v>
                 </c:pt>
                 <c:pt idx="1">
+                  <c:v>ST</c:v>
+                </c:pt>
+                <c:pt idx="2">
+                  <c:v>IJ</c:v>
+                </c:pt>
+                <c:pt idx="3">
                   <c:v>YZ</c:v>
                 </c:pt>
-                <c:pt idx="2">
+                <c:pt idx="4">
+                  <c:v>QR</c:v>
+                </c:pt>
+                <c:pt idx="5">
                   <c:v>WX</c:v>
                 </c:pt>
-                <c:pt idx="3">
-                  <c:v>MN</c:v>
-                </c:pt>
-                <c:pt idx="4">
-                  <c:v>CD</c:v>
-                </c:pt>
-                <c:pt idx="5">
-                  <c:v>QR</c:v>
-                </c:pt>
                 <c:pt idx="6">
-                  <c:v>EF</c:v>
+                  <c:v>KL</c:v>
                 </c:pt>
                 <c:pt idx="7">
-                  <c:v>ST</c:v>
+                  <c:v>UV</c:v>
                 </c:pt>
                 <c:pt idx="8">
-                  <c:v>IJ</c:v>
+                  <c:v>GH</c:v>
                 </c:pt>
                 <c:pt idx="9">
-                  <c:v>OP</c:v>
+                  <c:v>EF</c:v>
                 </c:pt>
               </c:strCache>
             </c:strRef>
@@ -3293,43 +3395,43 @@
               <c:strCache>
                 <c:ptCount val="13"/>
                 <c:pt idx="0">
+                  <c:v>MN</c:v>
+                </c:pt>
+                <c:pt idx="1">
+                  <c:v>ST</c:v>
+                </c:pt>
+                <c:pt idx="2">
+                  <c:v>IJ</c:v>
+                </c:pt>
+                <c:pt idx="3">
+                  <c:v>YZ</c:v>
+                </c:pt>
+                <c:pt idx="4">
+                  <c:v>QR</c:v>
+                </c:pt>
+                <c:pt idx="5">
+                  <c:v>WX</c:v>
+                </c:pt>
+                <c:pt idx="6">
+                  <c:v>KL</c:v>
+                </c:pt>
+                <c:pt idx="7">
+                  <c:v>UV</c:v>
+                </c:pt>
+                <c:pt idx="8">
+                  <c:v>GH</c:v>
+                </c:pt>
+                <c:pt idx="9">
+                  <c:v>EF</c:v>
+                </c:pt>
+                <c:pt idx="10">
                   <c:v>AB</c:v>
                 </c:pt>
-                <c:pt idx="1">
-                  <c:v>YZ</c:v>
-                </c:pt>
-                <c:pt idx="2">
-                  <c:v>WX</c:v>
-                </c:pt>
-                <c:pt idx="3">
-                  <c:v>MN</c:v>
-                </c:pt>
-                <c:pt idx="4">
+                <c:pt idx="11">
                   <c:v>CD</c:v>
                 </c:pt>
-                <c:pt idx="5">
-                  <c:v>QR</c:v>
-                </c:pt>
-                <c:pt idx="6">
-                  <c:v>EF</c:v>
-                </c:pt>
-                <c:pt idx="7">
-                  <c:v>ST</c:v>
-                </c:pt>
-                <c:pt idx="8">
-                  <c:v>IJ</c:v>
-                </c:pt>
-                <c:pt idx="9">
+                <c:pt idx="12">
                   <c:v>OP</c:v>
-                </c:pt>
-                <c:pt idx="10">
-                  <c:v>UV</c:v>
-                </c:pt>
-                <c:pt idx="11">
-                  <c:v>GH</c:v>
-                </c:pt>
-                <c:pt idx="12">
-                  <c:v>KL</c:v>
                 </c:pt>
               </c:strCache>
             </c:strRef>
@@ -3341,50 +3443,50 @@
                 <c:formatCode>0.00</c:formatCode>
                 <c:ptCount val="13"/>
                 <c:pt idx="0">
-                  <c:v>4335.7831999999999</c:v>
+                  <c:v>585558</c:v>
                 </c:pt>
                 <c:pt idx="1">
-                  <c:v>4828.29</c:v>
+                  <c:v>880164</c:v>
                 </c:pt>
                 <c:pt idx="2">
-                  <c:v>4962.3558999999996</c:v>
+                  <c:v>1137922</c:v>
                 </c:pt>
                 <c:pt idx="3">
-                  <c:v>7377.4246999999996</c:v>
+                  <c:v>1931316</c:v>
                 </c:pt>
                 <c:pt idx="4">
-                  <c:v>7586.1466</c:v>
+                  <c:v>2500947</c:v>
                 </c:pt>
                 <c:pt idx="5">
-                  <c:v>10502.5728</c:v>
+                  <c:v>3171777</c:v>
                 </c:pt>
                 <c:pt idx="6">
-                  <c:v>12574.9272</c:v>
+                  <c:v>3282056</c:v>
                 </c:pt>
                 <c:pt idx="7">
-                  <c:v>13132.487800000001</c:v>
+                  <c:v>3662698</c:v>
                 </c:pt>
                 <c:pt idx="8">
-                  <c:v>13738.5309</c:v>
+                  <c:v>4845888</c:v>
                 </c:pt>
                 <c:pt idx="9">
-                  <c:v>14431.099200000001</c:v>
+                  <c:v>5096995</c:v>
                 </c:pt>
                 <c:pt idx="10">
-                  <c:v>19466.690399999999</c:v>
+                  <c:v>6104355</c:v>
                 </c:pt>
                 <c:pt idx="11">
-                  <c:v>20565.455600000001</c:v>
+                  <c:v>6287741</c:v>
                 </c:pt>
                 <c:pt idx="12">
-                  <c:v>21294.755799999999</c:v>
+                  <c:v>8349575</c:v>
                 </c:pt>
               </c:numCache>
             </c:numRef>
           </c:val>
           <c:extLst>
             <c:ext xmlns:c16="http://schemas.microsoft.com/office/drawing/2014/chart" uri="{C3380CC4-5D6E-409C-BE32-E72D297353CC}">
-              <c16:uniqueId val="{00000000-66BE-4547-B0C6-12419E7D6333}"/>
+              <c16:uniqueId val="{00000000-206E-41F7-BE24-64FAD13F1FFD}"/>
             </c:ext>
           </c:extLst>
         </c:ser>
@@ -3549,7 +3651,7 @@
                 </a:pPr>
                 <a:r>
                   <a:rPr lang="en-US"/>
-                  <a:t>Average Value (CZK)</a:t>
+                  <a:t>Total Influx (CZK)</a:t>
                 </a:r>
               </a:p>
             </c:rich>
@@ -10847,8 +10949,8 @@
       </dsp:nvSpPr>
       <dsp:spPr>
         <a:xfrm>
-          <a:off x="2783" y="124779"/>
-          <a:ext cx="831972" cy="677602"/>
+          <a:off x="2783" y="85293"/>
+          <a:ext cx="831972" cy="756575"/>
         </a:xfrm>
         <a:prstGeom prst="roundRect">
           <a:avLst>
@@ -10891,12 +10993,12 @@
         </a:fontRef>
       </dsp:style>
       <dsp:txBody>
-        <a:bodyPr spcFirstLastPara="0" vert="horz" wrap="square" lIns="38100" tIns="38100" rIns="38100" bIns="38100" numCol="1" spcCol="1270" anchor="ctr" anchorCtr="0">
+        <a:bodyPr spcFirstLastPara="0" vert="horz" wrap="square" lIns="41910" tIns="41910" rIns="41910" bIns="41910" numCol="1" spcCol="1270" anchor="ctr" anchorCtr="0">
           <a:noAutofit/>
         </a:bodyPr>
         <a:lstStyle/>
         <a:p>
-          <a:pPr marL="0" lvl="0" indent="0" algn="ctr" defTabSz="444500">
+          <a:pPr marL="0" lvl="0" indent="0" algn="ctr" defTabSz="488950">
             <a:lnSpc>
               <a:spcPct val="90000"/>
             </a:lnSpc>
@@ -10909,14 +11011,14 @@
             <a:buNone/>
           </a:pPr>
           <a:r>
-            <a:rPr lang="en-GB" sz="1000" kern="1200"/>
+            <a:rPr lang="en-GB" sz="1100" kern="1200"/>
             <a:t>Who pays off their loans?</a:t>
           </a:r>
         </a:p>
       </dsp:txBody>
       <dsp:txXfrm>
-        <a:off x="22629" y="144625"/>
-        <a:ext cx="792280" cy="637910"/>
+        <a:off x="24942" y="107452"/>
+        <a:ext cx="787654" cy="712257"/>
       </dsp:txXfrm>
     </dsp:sp>
     <dsp:sp modelId="{08D9D143-8540-4331-B090-48471C83F541}">
@@ -10996,8 +11098,8 @@
       </dsp:nvSpPr>
       <dsp:spPr>
         <a:xfrm>
-          <a:off x="1167545" y="124779"/>
-          <a:ext cx="831972" cy="677602"/>
+          <a:off x="1167545" y="85293"/>
+          <a:ext cx="831972" cy="756575"/>
         </a:xfrm>
         <a:prstGeom prst="roundRect">
           <a:avLst>
@@ -11040,12 +11142,12 @@
         </a:fontRef>
       </dsp:style>
       <dsp:txBody>
-        <a:bodyPr spcFirstLastPara="0" vert="horz" wrap="square" lIns="38100" tIns="38100" rIns="38100" bIns="38100" numCol="1" spcCol="1270" anchor="ctr" anchorCtr="0">
+        <a:bodyPr spcFirstLastPara="0" vert="horz" wrap="square" lIns="41910" tIns="41910" rIns="41910" bIns="41910" numCol="1" spcCol="1270" anchor="ctr" anchorCtr="0">
           <a:noAutofit/>
         </a:bodyPr>
         <a:lstStyle/>
         <a:p>
-          <a:pPr marL="0" lvl="0" indent="0" algn="ctr" defTabSz="444500">
+          <a:pPr marL="0" lvl="0" indent="0" algn="ctr" defTabSz="488950">
             <a:lnSpc>
               <a:spcPct val="90000"/>
             </a:lnSpc>
@@ -11058,14 +11160,14 @@
             <a:buNone/>
           </a:pPr>
           <a:r>
-            <a:rPr lang="en-GB" sz="1000" kern="1200"/>
+            <a:rPr lang="en-GB" sz="1100" kern="1200"/>
             <a:t>Profiling</a:t>
           </a:r>
         </a:p>
       </dsp:txBody>
       <dsp:txXfrm>
-        <a:off x="1187391" y="144625"/>
-        <a:ext cx="792280" cy="637910"/>
+        <a:off x="1189704" y="107452"/>
+        <a:ext cx="787654" cy="712257"/>
       </dsp:txXfrm>
     </dsp:sp>
     <dsp:sp modelId="{4923356B-A9C1-43A7-A7E4-E30E1B1D6C64}">
@@ -11145,8 +11247,8 @@
       </dsp:nvSpPr>
       <dsp:spPr>
         <a:xfrm>
-          <a:off x="2332306" y="124779"/>
-          <a:ext cx="831972" cy="677602"/>
+          <a:off x="2332306" y="85293"/>
+          <a:ext cx="831972" cy="756575"/>
         </a:xfrm>
         <a:prstGeom prst="roundRect">
           <a:avLst>
@@ -11189,12 +11291,12 @@
         </a:fontRef>
       </dsp:style>
       <dsp:txBody>
-        <a:bodyPr spcFirstLastPara="0" vert="horz" wrap="square" lIns="38100" tIns="38100" rIns="38100" bIns="38100" numCol="1" spcCol="1270" anchor="ctr" anchorCtr="0">
+        <a:bodyPr spcFirstLastPara="0" vert="horz" wrap="square" lIns="41910" tIns="41910" rIns="41910" bIns="41910" numCol="1" spcCol="1270" anchor="ctr" anchorCtr="0">
           <a:noAutofit/>
         </a:bodyPr>
         <a:lstStyle/>
         <a:p>
-          <a:pPr marL="0" lvl="0" indent="0" algn="ctr" defTabSz="444500" rtl="0">
+          <a:pPr marL="0" lvl="0" indent="0" algn="ctr" defTabSz="488950" rtl="0">
             <a:lnSpc>
               <a:spcPct val="90000"/>
             </a:lnSpc>
@@ -11207,17 +11309,17 @@
             <a:buNone/>
           </a:pPr>
           <a:r>
-            <a:rPr lang="en-GB" sz="1000" kern="1200">
+            <a:rPr lang="en-GB" sz="1100" kern="1200">
               <a:latin typeface="Century Gothic" panose="020F0302020204030204"/>
             </a:rPr>
             <a:t>Offer more relevant products to customers</a:t>
           </a:r>
-          <a:endParaRPr lang="en-GB" sz="1000" kern="1200"/>
+          <a:endParaRPr lang="en-GB" sz="1100" kern="1200"/>
         </a:p>
       </dsp:txBody>
       <dsp:txXfrm>
-        <a:off x="2352152" y="144625"/>
-        <a:ext cx="792280" cy="637910"/>
+        <a:off x="2354465" y="107452"/>
+        <a:ext cx="787654" cy="712257"/>
       </dsp:txXfrm>
     </dsp:sp>
   </dsp:spTree>
@@ -12806,7 +12908,7 @@
               <a:rPr lang="en-US">
                 <a:cs typeface="Calibri"/>
               </a:rPr>
-              <a:t>We decided to split our presentation into two main sections of demographics and individual metrics</a:t>
+              <a:t>We decided to split our presentation into two main sections: of general demographics and individual metrics</a:t>
             </a:r>
           </a:p>
           <a:p>
@@ -13139,7 +13241,7 @@
             </a:pPr>
             <a:r>
               <a:rPr lang="en-US">
-                <a:cs typeface="Calibri"/>
+                <a:cs typeface="Calibri" panose="020F0502020204030204"/>
               </a:rPr>
               <a:t>Grouped by these age categories as mentioned earlier</a:t>
             </a:r>
@@ -13151,7 +13253,7 @@
             </a:pPr>
             <a:r>
               <a:rPr lang="en-US">
-                <a:cs typeface="Calibri"/>
+                <a:cs typeface="Calibri" panose="020F0502020204030204"/>
               </a:rPr>
               <a:t>Grouped the categories on the previous slide into 'good loans' and 'bad loans'</a:t>
             </a:r>
@@ -20190,6 +20292,44 @@
           </a:p>
         </p:txBody>
       </p:sp>
+      <p:sp>
+        <p:nvSpPr>
+          <p:cNvPr id="5" name="TextBox 4">
+            <a:extLst>
+              <a:ext uri="{FF2B5EF4-FFF2-40B4-BE49-F238E27FC236}">
+                <a16:creationId xmlns:a16="http://schemas.microsoft.com/office/drawing/2014/main" id="{FA863BDB-44CF-4502-9B15-1AA81788ACBF}"/>
+              </a:ext>
+            </a:extLst>
+          </p:cNvPr>
+          <p:cNvSpPr txBox="1"/>
+          <p:nvPr/>
+        </p:nvSpPr>
+        <p:spPr>
+          <a:xfrm>
+            <a:off x="5660994" y="3244334"/>
+            <a:ext cx="6096000" cy="369332"/>
+          </a:xfrm>
+          <a:prstGeom prst="rect">
+            <a:avLst/>
+          </a:prstGeom>
+          <a:noFill/>
+        </p:spPr>
+        <p:txBody>
+          <a:bodyPr wrap="square" rtlCol="0">
+            <a:spAutoFit/>
+          </a:bodyPr>
+          <a:lstStyle/>
+          <a:p>
+            <a:r>
+              <a:rPr lang="en-GB">
+                <a:hlinkClick r:id="rId3"/>
+              </a:rPr>
+              <a:t>https://github.com/SamPurle/Banking_Team_1</a:t>
+            </a:r>
+            <a:endParaRPr lang="en-GB"/>
+          </a:p>
+        </p:txBody>
+      </p:sp>
     </p:spTree>
     <p:extLst>
       <p:ext uri="{BB962C8B-B14F-4D97-AF65-F5344CB8AC3E}">
@@ -20247,19 +20387,15 @@
           <a:lstStyle/>
           <a:p>
             <a:r>
-              <a:rPr lang="en-GB" dirty="0"/>
-              <a:t>Business</a:t>
+              <a:rPr lang="en-GB"/>
+              <a:t>Business </a:t>
+            </a:r>
+            <a:r>
+              <a:rPr lang="en-GB" b="1"/>
+              <a:t> </a:t>
             </a:r>
             <a:r>
               <a:rPr lang="en-GB"/>
-              <a:t> </a:t>
-            </a:r>
-            <a:r>
-              <a:rPr lang="en-GB" b="1" dirty="0"/>
-              <a:t> </a:t>
-            </a:r>
-            <a:r>
-              <a:rPr lang="en-GB" dirty="0"/>
               <a:t>Outcome</a:t>
             </a:r>
           </a:p>
@@ -21494,7 +21630,7 @@
         </p:nvSpPr>
         <p:spPr>
           <a:xfrm>
-            <a:off x="8235721" y="2097016"/>
+            <a:off x="8235721" y="1919986"/>
             <a:ext cx="3763917" cy="4524315"/>
           </a:xfrm>
           <a:prstGeom prst="rect">
@@ -21807,6 +21943,130 @@
           <p:cNvPr id="2" name="Title 1">
             <a:extLst>
               <a:ext uri="{FF2B5EF4-FFF2-40B4-BE49-F238E27FC236}">
+                <a16:creationId xmlns:a16="http://schemas.microsoft.com/office/drawing/2014/main" id="{A11B20CB-78B8-40E3-BE00-E896403725A9}"/>
+              </a:ext>
+            </a:extLst>
+          </p:cNvPr>
+          <p:cNvSpPr>
+            <a:spLocks noGrp="1"/>
+          </p:cNvSpPr>
+          <p:nvPr>
+            <p:ph type="title"/>
+          </p:nvPr>
+        </p:nvSpPr>
+        <p:spPr/>
+        <p:txBody>
+          <a:bodyPr/>
+          <a:lstStyle/>
+          <a:p>
+            <a:r>
+              <a:rPr lang="en-GB"/>
+              <a:t>Takeaways</a:t>
+            </a:r>
+          </a:p>
+        </p:txBody>
+      </p:sp>
+      <p:sp>
+        <p:nvSpPr>
+          <p:cNvPr id="3" name="Content Placeholder 2">
+            <a:extLst>
+              <a:ext uri="{FF2B5EF4-FFF2-40B4-BE49-F238E27FC236}">
+                <a16:creationId xmlns:a16="http://schemas.microsoft.com/office/drawing/2014/main" id="{90B278C7-7AF3-4D30-9C4A-6D32A99F6EC4}"/>
+              </a:ext>
+            </a:extLst>
+          </p:cNvPr>
+          <p:cNvSpPr>
+            <a:spLocks noGrp="1"/>
+          </p:cNvSpPr>
+          <p:nvPr>
+            <p:ph idx="1"/>
+          </p:nvPr>
+        </p:nvSpPr>
+        <p:spPr/>
+        <p:txBody>
+          <a:bodyPr vert="horz" lIns="91440" tIns="45720" rIns="91440" bIns="45720" rtlCol="0" anchor="t">
+            <a:normAutofit/>
+          </a:bodyPr>
+          <a:lstStyle/>
+          <a:p>
+            <a:r>
+              <a:rPr lang="en-GB"/>
+              <a:t>Implement or improve Financial Advice service</a:t>
+            </a:r>
+          </a:p>
+          <a:p>
+            <a:r>
+              <a:rPr lang="en-GB"/>
+              <a:t>Target specific competitors and customers with marketing and product offerings</a:t>
+            </a:r>
+          </a:p>
+          <a:p>
+            <a:r>
+              <a:rPr lang="en-GB"/>
+              <a:t>Refine Fraud detection algorithm</a:t>
+            </a:r>
+          </a:p>
+          <a:p>
+            <a:r>
+              <a:rPr lang="en-GB"/>
+              <a:t>Use individual metrics, e.g. IDR, to influence loan acceptance, capital allocation, and interest rate</a:t>
+            </a:r>
+          </a:p>
+          <a:p>
+            <a:r>
+              <a:rPr lang="en-GB"/>
+              <a:t>Enrich demographic data with Census data, and transaction data with Payee Checking Service</a:t>
+            </a:r>
+          </a:p>
+          <a:p>
+            <a:r>
+              <a:rPr lang="en-GB"/>
+              <a:t>Investigate “Young People in Business” scheme</a:t>
+            </a:r>
+          </a:p>
+          <a:p>
+            <a:r>
+              <a:rPr lang="en-GB"/>
+              <a:t>Track Credit card balance</a:t>
+            </a:r>
+          </a:p>
+        </p:txBody>
+      </p:sp>
+    </p:spTree>
+    <p:extLst>
+      <p:ext uri="{BB962C8B-B14F-4D97-AF65-F5344CB8AC3E}">
+        <p14:creationId xmlns:p14="http://schemas.microsoft.com/office/powerpoint/2010/main" val="2604518583"/>
+      </p:ext>
+    </p:extLst>
+  </p:cSld>
+  <p:clrMapOvr>
+    <a:masterClrMapping/>
+  </p:clrMapOvr>
+</p:sld>
+</file>
+
+<file path=ppt/slides/slide25.xml><?xml version="1.0" encoding="utf-8"?>
+<p:sld xmlns:a="http://schemas.openxmlformats.org/drawingml/2006/main" xmlns:r="http://schemas.openxmlformats.org/officeDocument/2006/relationships" xmlns:p="http://schemas.openxmlformats.org/presentationml/2006/main">
+  <p:cSld>
+    <p:spTree>
+      <p:nvGrpSpPr>
+        <p:cNvPr id="1" name=""/>
+        <p:cNvGrpSpPr/>
+        <p:nvPr/>
+      </p:nvGrpSpPr>
+      <p:grpSpPr>
+        <a:xfrm>
+          <a:off x="0" y="0"/>
+          <a:ext cx="0" cy="0"/>
+          <a:chOff x="0" y="0"/>
+          <a:chExt cx="0" cy="0"/>
+        </a:xfrm>
+      </p:grpSpPr>
+      <p:sp>
+        <p:nvSpPr>
+          <p:cNvPr id="2" name="Title 1">
+            <a:extLst>
+              <a:ext uri="{FF2B5EF4-FFF2-40B4-BE49-F238E27FC236}">
                 <a16:creationId xmlns:a16="http://schemas.microsoft.com/office/drawing/2014/main" id="{4D4F0382-93C2-4764-B1B8-C1DCBB409FCB}"/>
               </a:ext>
             </a:extLst>
@@ -21824,12 +22084,12 @@
           <a:lstStyle/>
           <a:p>
             <a:r>
-              <a:rPr lang="cs" dirty="0">
+              <a:rPr lang="cs">
                 <a:latin typeface="Consolas"/>
               </a:rPr>
               <a:t>Děkuji za poslech</a:t>
             </a:r>
-            <a:endParaRPr lang="en-US" dirty="0"/>
+            <a:endParaRPr lang="en-US"/>
           </a:p>
         </p:txBody>
       </p:sp>
@@ -22033,7 +22293,7 @@
               <a:buChar char="-"/>
             </a:pPr>
             <a:r>
-              <a:rPr lang="en-GB" dirty="0"/>
+              <a:rPr lang="en-GB"/>
               <a:t>Calculate customer Age at End Date of the dataset</a:t>
             </a:r>
           </a:p>
@@ -22043,7 +22303,7 @@
               <a:buChar char="-"/>
             </a:pPr>
             <a:r>
-              <a:rPr lang="en-GB" dirty="0"/>
+              <a:rPr lang="en-GB"/>
               <a:t>Bin Age into categories</a:t>
             </a:r>
           </a:p>
@@ -22053,7 +22313,7 @@
               <a:buChar char="-"/>
             </a:pPr>
             <a:r>
-              <a:rPr lang="en-GB" dirty="0"/>
+              <a:rPr lang="en-GB"/>
               <a:t>Nested aggregate/window functions to determine average and total Net Worth of customers by Age Bracket</a:t>
             </a:r>
           </a:p>
@@ -22194,7 +22454,7 @@
             </a:pPr>
             <a:r>
               <a:rPr lang="en-GB" sz="1400"/>
-              <a:t>Offer commission-based financial advice service to relatively high Net Worth customers in the Middle Aged bracket, to avoid decrease in Net Worth with Age</a:t>
+              <a:t>Offer commission-based financial advice service to relatively high Net Worth customers in the Young and Middle Aged bracket, to avoid decrease in Net Worth with Age</a:t>
             </a:r>
           </a:p>
           <a:p>
@@ -22414,7 +22674,7 @@
               <a:buChar char="-"/>
             </a:pPr>
             <a:r>
-              <a:rPr lang="en-GB" dirty="0"/>
+              <a:rPr lang="en-GB"/>
               <a:t>Case function to separate IN and OUT</a:t>
             </a:r>
           </a:p>
@@ -22424,8 +22684,8 @@
               <a:buChar char="-"/>
             </a:pPr>
             <a:r>
-              <a:rPr lang="en-GB" dirty="0"/>
-              <a:t>Pivot SUM and AVG of transaction value partitioned by Bank for transactions IN and OUT</a:t>
+              <a:rPr lang="en-GB"/>
+              <a:t>Pivot SUM of transaction value partitioned by Bank for transactions IN and OUT</a:t>
             </a:r>
           </a:p>
           <a:p>
@@ -22433,7 +22693,7 @@
               <a:buFontTx/>
               <a:buChar char="-"/>
             </a:pPr>
-            <a:endParaRPr lang="en-GB" dirty="0"/>
+            <a:endParaRPr lang="en-GB"/>
           </a:p>
         </p:txBody>
       </p:sp>
@@ -22455,13 +22715,13 @@
         </p:nvPicPr>
         <p:blipFill rotWithShape="1">
           <a:blip r:embed="rId2"/>
-          <a:srcRect l="8011" t="15788" r="72892" b="22227"/>
+          <a:srcRect l="8011" t="15788" r="72892" b="51478"/>
           <a:stretch/>
         </p:blipFill>
         <p:spPr>
           <a:xfrm>
-            <a:off x="979714" y="241070"/>
-            <a:ext cx="5812972" cy="6368736"/>
+            <a:off x="1068491" y="1747368"/>
+            <a:ext cx="5812972" cy="3363264"/>
           </a:xfrm>
         </p:spPr>
       </p:pic>
@@ -22551,7 +22811,7 @@
               <a:buChar char="-"/>
             </a:pPr>
             <a:r>
-              <a:rPr lang="en-GB" dirty="0"/>
+              <a:rPr lang="en-GB"/>
               <a:t>High influx of capital implies Businesses employing skilled workers, presumably with large cashflow</a:t>
             </a:r>
           </a:p>
@@ -22561,7 +22821,7 @@
               <a:buChar char="-"/>
             </a:pPr>
             <a:r>
-              <a:rPr lang="en-GB" dirty="0"/>
+              <a:rPr lang="en-GB"/>
               <a:t>Examine account features</a:t>
             </a:r>
           </a:p>
@@ -22571,7 +22831,7 @@
               <a:buChar char="-"/>
             </a:pPr>
             <a:r>
-              <a:rPr lang="en-GB" dirty="0"/>
+              <a:rPr lang="en-GB"/>
               <a:t>Imitate non-existing features</a:t>
             </a:r>
           </a:p>
@@ -22581,18 +22841,18 @@
               <a:buChar char="-"/>
             </a:pPr>
             <a:r>
-              <a:rPr lang="en-GB" dirty="0"/>
-              <a:t>Highlight relative strengths of our business accounts in marketing material</a:t>
+              <a:rPr lang="en-GB"/>
+              <a:t>Highlight relative strengths of Berkha’s business accounts in marketing material</a:t>
             </a:r>
           </a:p>
         </p:txBody>
       </p:sp>
       <p:graphicFrame>
         <p:nvGraphicFramePr>
-          <p:cNvPr id="14" name="Picture Placeholder 13">
+          <p:cNvPr id="6" name="Picture Placeholder 5">
             <a:extLst>
               <a:ext uri="{FF2B5EF4-FFF2-40B4-BE49-F238E27FC236}">
-                <a16:creationId xmlns:a16="http://schemas.microsoft.com/office/drawing/2014/main" id="{B556D72D-3827-488C-A5C2-E7995E1244A0}"/>
+                <a16:creationId xmlns:a16="http://schemas.microsoft.com/office/drawing/2014/main" id="{07920C2B-D356-4D01-9983-4DD615C0883F}"/>
               </a:ext>
             </a:extLst>
           </p:cNvPr>
@@ -22603,7 +22863,7 @@
             <p:ph type="pic" idx="1"/>
             <p:extLst>
               <p:ext uri="{D42A27DB-BD31-4B8C-83A1-F6EECF244321}">
-                <p14:modId xmlns:p14="http://schemas.microsoft.com/office/powerpoint/2010/main" val="1851117238"/>
+                <p14:modId xmlns:p14="http://schemas.microsoft.com/office/powerpoint/2010/main" val="3883672515"/>
               </p:ext>
             </p:extLst>
           </p:nvPr>
@@ -22695,7 +22955,7 @@
         <p:spPr/>
         <p:txBody>
           <a:bodyPr>
-            <a:normAutofit/>
+            <a:normAutofit fontScale="92500" lnSpcReduction="10000"/>
           </a:bodyPr>
           <a:lstStyle/>
           <a:p>
@@ -22704,8 +22964,8 @@
               <a:buChar char="-"/>
             </a:pPr>
             <a:r>
-              <a:rPr lang="en-GB" dirty="0"/>
-              <a:t>Likely to transfer funds to Stock brokerages, or paying for high-value assets and mortgages</a:t>
+              <a:rPr lang="en-GB"/>
+              <a:t>Filter by income metric, or transaction value</a:t>
             </a:r>
           </a:p>
           <a:p>
@@ -22714,8 +22974,8 @@
               <a:buChar char="-"/>
             </a:pPr>
             <a:r>
-              <a:rPr lang="en-GB" dirty="0"/>
-              <a:t>Offer savings products and brokerage services </a:t>
+              <a:rPr lang="en-GB"/>
+              <a:t>Funds could be going to Stock brokerages, or paying for high-value assets and mortgages</a:t>
             </a:r>
           </a:p>
           <a:p>
@@ -22724,7 +22984,17 @@
               <a:buChar char="-"/>
             </a:pPr>
             <a:r>
-              <a:rPr lang="en-GB" dirty="0"/>
+              <a:rPr lang="en-GB"/>
+              <a:t>Offer savings products and brokerage services </a:t>
+            </a:r>
+          </a:p>
+          <a:p>
+            <a:pPr marL="285750" indent="-285750">
+              <a:buFontTx/>
+              <a:buChar char="-"/>
+            </a:pPr>
+            <a:r>
+              <a:rPr lang="en-GB"/>
               <a:t>Introduce spending mechanisms to keep customers within ecosystem</a:t>
             </a:r>
           </a:p>
